--- a/2019系统仿真-8-一阶系统原理.pptx
+++ b/2019系统仿真-8-一阶系统原理.pptx
@@ -254,7 +254,7 @@
                 <a:latin typeface="微软雅黑" panose="020B0503020204020204" pitchFamily="34" charset="-122"/>
                 <a:ea typeface="微软雅黑" panose="020B0503020204020204" pitchFamily="34" charset="-122"/>
               </a:rPr>
-              <a:t>2019年3月31日</a:t>
+              <a:t>2019年4月14日 Sunday</a:t>
             </a:fld>
             <a:endParaRPr lang="zh-CN" altLang="en-US" dirty="0">
               <a:latin typeface="微软雅黑" panose="020B0503020204020204" pitchFamily="34" charset="-122"/>
@@ -446,7 +446,7 @@
             <a:fld id="{07D6BDDC-F39A-4E16-93D6-E40B88AA6D58}" type="datetime2">
               <a:rPr lang="zh-CN" altLang="en-US" smtClean="0"/>
               <a:pPr/>
-              <a:t>2019年3月31日</a:t>
+              <a:t>2019年4月14日 Sunday</a:t>
             </a:fld>
             <a:endParaRPr lang="zh-CN" altLang="en-US" dirty="0"/>
           </a:p>
@@ -1764,7 +1764,7 @@
             <a:fld id="{4947C3F0-2957-4D41-9FB7-182757A04D67}" type="datetime2">
               <a:rPr lang="zh-CN" altLang="en-US" smtClean="0"/>
               <a:pPr/>
-              <a:t>2019年3月31日</a:t>
+              <a:t>2019年4月14日 Sunday</a:t>
             </a:fld>
             <a:endParaRPr lang="zh-CN" altLang="en-US" dirty="0"/>
           </a:p>
@@ -1997,7 +1997,7 @@
             <a:fld id="{8DF8E148-EC1F-43A2-8C9E-1F57F6D08A76}" type="datetime2">
               <a:rPr lang="zh-CN" altLang="en-US" smtClean="0"/>
               <a:pPr/>
-              <a:t>2019年3月31日</a:t>
+              <a:t>2019年4月14日 Sunday</a:t>
             </a:fld>
             <a:endParaRPr lang="zh-CN" altLang="en-US" dirty="0"/>
           </a:p>
@@ -2880,7 +2880,7 @@
             <a:fld id="{FB7B4C11-1E14-4887-9E78-A9346EC068F1}" type="datetime2">
               <a:rPr lang="zh-CN" altLang="en-US" smtClean="0"/>
               <a:pPr/>
-              <a:t>2019年3月31日</a:t>
+              <a:t>2019年4月14日 Sunday</a:t>
             </a:fld>
             <a:endParaRPr lang="zh-CN" altLang="en-US" dirty="0"/>
           </a:p>
@@ -3139,7 +3139,7 @@
             <a:fld id="{86FD5D46-E987-42B2-B42C-B8920598FADE}" type="datetime2">
               <a:rPr lang="zh-CN" altLang="en-US" smtClean="0"/>
               <a:pPr/>
-              <a:t>2019年3月31日</a:t>
+              <a:t>2019年4月14日 Sunday</a:t>
             </a:fld>
             <a:endParaRPr lang="zh-CN" altLang="en-US" dirty="0"/>
           </a:p>
@@ -4466,7 +4466,7 @@
             <a:fld id="{8365F240-A7EF-41C8-A85B-C448CF84B5E5}" type="datetime2">
               <a:rPr lang="zh-CN" altLang="en-US" smtClean="0"/>
               <a:pPr/>
-              <a:t>2019年3月31日</a:t>
+              <a:t>2019年4月14日 Sunday</a:t>
             </a:fld>
             <a:endParaRPr lang="zh-CN" altLang="en-US" dirty="0"/>
           </a:p>
@@ -4801,7 +4801,7 @@
             <a:fld id="{F770B30E-8728-44DB-AEE3-E4A75AEDBBD9}" type="datetime2">
               <a:rPr lang="zh-CN" altLang="en-US" smtClean="0"/>
               <a:pPr/>
-              <a:t>2019年3月31日</a:t>
+              <a:t>2019年4月14日 Sunday</a:t>
             </a:fld>
             <a:endParaRPr lang="zh-CN" altLang="en-US" dirty="0"/>
           </a:p>
@@ -5302,7 +5302,7 @@
             <a:fld id="{680BCF82-A51A-4389-A573-378AD02C5141}" type="datetime2">
               <a:rPr lang="zh-CN" altLang="en-US" smtClean="0"/>
               <a:pPr/>
-              <a:t>2019年3月31日</a:t>
+              <a:t>2019年4月14日 Sunday</a:t>
             </a:fld>
             <a:endParaRPr lang="zh-CN" altLang="en-US" dirty="0"/>
           </a:p>
@@ -5457,7 +5457,7 @@
             <a:fld id="{CE03A716-E3DC-4D9D-823C-60FCD8C9B163}" type="datetime2">
               <a:rPr lang="zh-CN" altLang="en-US" smtClean="0"/>
               <a:pPr/>
-              <a:t>2019年3月31日</a:t>
+              <a:t>2019年4月14日 Sunday</a:t>
             </a:fld>
             <a:endParaRPr lang="zh-CN" altLang="en-US" dirty="0"/>
           </a:p>
@@ -5817,7 +5817,7 @@
             <a:fld id="{C16B8A94-44E5-4844-A22C-F796FCAA90D9}" type="datetime2">
               <a:rPr lang="zh-CN" altLang="en-US" smtClean="0"/>
               <a:pPr/>
-              <a:t>2019年3月31日</a:t>
+              <a:t>2019年4月14日 Sunday</a:t>
             </a:fld>
             <a:endParaRPr lang="zh-CN" altLang="en-US" dirty="0"/>
           </a:p>
@@ -6359,7 +6359,7 @@
             <a:fld id="{F288B2AC-AC0A-4E49-82A3-94EE74FA7FBF}" type="datetime2">
               <a:rPr lang="zh-CN" altLang="en-US" smtClean="0"/>
               <a:pPr/>
-              <a:t>2019年3月31日</a:t>
+              <a:t>2019年4月14日 Sunday</a:t>
             </a:fld>
             <a:endParaRPr lang="zh-CN" altLang="en-US" dirty="0"/>
           </a:p>
@@ -6845,7 +6845,7 @@
             <a:fld id="{1878E339-1BD2-4FEE-A113-9A0301740CF6}" type="datetime2">
               <a:rPr lang="zh-CN" altLang="en-US" smtClean="0"/>
               <a:pPr/>
-              <a:t>2019年3月31日</a:t>
+              <a:t>2019年4月14日 Sunday</a:t>
             </a:fld>
             <a:endParaRPr lang="zh-CN" altLang="en-US" dirty="0"/>
           </a:p>
@@ -7769,7 +7769,7 @@
             <a:fld id="{A339CB27-C670-4AAB-948C-7E3D1D9FAE30}" type="datetime2">
               <a:rPr lang="zh-CN" altLang="en-US" smtClean="0"/>
               <a:pPr/>
-              <a:t>2019年3月31日</a:t>
+              <a:t>2019年4月14日 Sunday</a:t>
             </a:fld>
             <a:endParaRPr lang="zh-CN" altLang="en-US" dirty="0"/>
           </a:p>
@@ -8796,15 +8796,7 @@
             <a:pPr algn="ctr"/>
             <a:r>
               <a:rPr lang="zh-CN" altLang="en-US" dirty="0"/>
-              <a:t>三</a:t>
-            </a:r>
-            <a:r>
-              <a:rPr lang="zh-CN" altLang="en-US" dirty="0" smtClean="0"/>
-              <a:t>、</a:t>
-            </a:r>
-            <a:r>
-              <a:rPr lang="zh-CN" altLang="en-US" dirty="0"/>
-              <a:t>负反馈结构原理</a:t>
+              <a:t>三、负反馈结构原理</a:t>
             </a:r>
           </a:p>
         </p:txBody>
@@ -9001,7 +8993,7 @@
           <a:graphicData uri="http://schemas.openxmlformats.org/presentationml/2006/ole">
             <mc:AlternateContent xmlns:mc="http://schemas.openxmlformats.org/markup-compatibility/2006">
               <mc:Choice xmlns:v="urn:schemas-microsoft-com:vml" Requires="v">
-                <p:oleObj spid="_x0000_s7218" name="Equation" r:id="rId4" imgW="2387520" imgH="393480" progId="Equation.DSMT4">
+                <p:oleObj spid="_x0000_s7222" name="Equation" r:id="rId4" imgW="2387520" imgH="393480" progId="Equation.DSMT4">
                   <p:embed/>
                 </p:oleObj>
               </mc:Choice>
@@ -9058,7 +9050,7 @@
           <a:graphicData uri="http://schemas.openxmlformats.org/presentationml/2006/ole">
             <mc:AlternateContent xmlns:mc="http://schemas.openxmlformats.org/markup-compatibility/2006">
               <mc:Choice xmlns:v="urn:schemas-microsoft-com:vml" Requires="v">
-                <p:oleObj spid="_x0000_s7219" name="Equation" r:id="rId6" imgW="1904760" imgH="419040" progId="Equation.DSMT4">
+                <p:oleObj spid="_x0000_s7223" name="Equation" r:id="rId6" imgW="1904760" imgH="419040" progId="Equation.DSMT4">
                   <p:embed/>
                 </p:oleObj>
               </mc:Choice>
@@ -9115,7 +9107,7 @@
           <a:graphicData uri="http://schemas.openxmlformats.org/presentationml/2006/ole">
             <mc:AlternateContent xmlns:mc="http://schemas.openxmlformats.org/markup-compatibility/2006">
               <mc:Choice xmlns:v="urn:schemas-microsoft-com:vml" Requires="v">
-                <p:oleObj spid="_x0000_s7220" name="Equation" r:id="rId8" imgW="2768400" imgH="228600" progId="Equation.DSMT4">
+                <p:oleObj spid="_x0000_s7224" name="Equation" r:id="rId8" imgW="2768400" imgH="228600" progId="Equation.DSMT4">
                   <p:embed/>
                 </p:oleObj>
               </mc:Choice>
@@ -9201,7 +9193,7 @@
           <a:graphicData uri="http://schemas.openxmlformats.org/presentationml/2006/ole">
             <mc:AlternateContent xmlns:mc="http://schemas.openxmlformats.org/markup-compatibility/2006">
               <mc:Choice xmlns:v="urn:schemas-microsoft-com:vml" Requires="v">
-                <p:oleObj spid="_x0000_s7221" name="Equation" r:id="rId10" imgW="1765080" imgH="228600" progId="Equation.DSMT4">
+                <p:oleObj spid="_x0000_s7225" name="Equation" r:id="rId10" imgW="1765080" imgH="228600" progId="Equation.DSMT4">
                   <p:embed/>
                 </p:oleObj>
               </mc:Choice>
@@ -9259,7 +9251,7 @@
           <a:lstStyle/>
           <a:p>
             <a:r>
-              <a:rPr lang="zh-CN" altLang="en-US" dirty="0" smtClean="0"/>
+              <a:rPr lang="zh-CN" altLang="en-US" dirty="0"/>
               <a:t>待定常数</a:t>
             </a:r>
             <a:r>
@@ -9477,7 +9469,7 @@
             <a:graphicData uri="http://schemas.openxmlformats.org/presentationml/2006/ole">
               <mc:AlternateContent xmlns:mc="http://schemas.openxmlformats.org/markup-compatibility/2006">
                 <mc:Choice xmlns:v="urn:schemas-microsoft-com:vml" Requires="v">
-                  <p:oleObj spid="_x0000_s8239" name="Equation" r:id="rId3" imgW="2603160" imgH="330120" progId="Equation.DSMT4">
+                  <p:oleObj spid="_x0000_s8242" name="Equation" r:id="rId3" imgW="2603160" imgH="330120" progId="Equation.DSMT4">
                     <p:embed/>
                   </p:oleObj>
                 </mc:Choice>
@@ -9534,7 +9526,7 @@
             <a:graphicData uri="http://schemas.openxmlformats.org/presentationml/2006/ole">
               <mc:AlternateContent xmlns:mc="http://schemas.openxmlformats.org/markup-compatibility/2006">
                 <mc:Choice xmlns:v="urn:schemas-microsoft-com:vml" Requires="v">
-                  <p:oleObj spid="_x0000_s8240" name="Equation" r:id="rId5" imgW="1955520" imgH="228600" progId="Equation.DSMT4">
+                  <p:oleObj spid="_x0000_s8243" name="Equation" r:id="rId5" imgW="1955520" imgH="228600" progId="Equation.DSMT4">
                     <p:embed/>
                   </p:oleObj>
                 </mc:Choice>
@@ -9591,7 +9583,7 @@
             <a:graphicData uri="http://schemas.openxmlformats.org/presentationml/2006/ole">
               <mc:AlternateContent xmlns:mc="http://schemas.openxmlformats.org/markup-compatibility/2006">
                 <mc:Choice xmlns:v="urn:schemas-microsoft-com:vml" Requires="v">
-                  <p:oleObj spid="_x0000_s8241" name="Equation" r:id="rId7" imgW="2298600" imgH="203040" progId="Equation.DSMT4">
+                  <p:oleObj spid="_x0000_s8244" name="Equation" r:id="rId7" imgW="2298600" imgH="203040" progId="Equation.DSMT4">
                     <p:embed/>
                   </p:oleObj>
                 </mc:Choice>
@@ -10277,7 +10269,7 @@
           <a:graphicData uri="http://schemas.openxmlformats.org/presentationml/2006/ole">
             <mc:AlternateContent xmlns:mc="http://schemas.openxmlformats.org/markup-compatibility/2006">
               <mc:Choice xmlns:v="urn:schemas-microsoft-com:vml" Requires="v">
-                <p:oleObj spid="_x0000_s9263" name="Equation" r:id="rId4" imgW="1587240" imgH="419040" progId="Equation.DSMT4">
+                <p:oleObj spid="_x0000_s9266" name="Equation" r:id="rId4" imgW="1587240" imgH="419040" progId="Equation.DSMT4">
                   <p:embed/>
                 </p:oleObj>
               </mc:Choice>
@@ -10334,7 +10326,7 @@
           <a:graphicData uri="http://schemas.openxmlformats.org/presentationml/2006/ole">
             <mc:AlternateContent xmlns:mc="http://schemas.openxmlformats.org/markup-compatibility/2006">
               <mc:Choice xmlns:v="urn:schemas-microsoft-com:vml" Requires="v">
-                <p:oleObj spid="_x0000_s9264" name="Equation" r:id="rId6" imgW="1600200" imgH="228600" progId="Equation.DSMT4">
+                <p:oleObj spid="_x0000_s9267" name="Equation" r:id="rId6" imgW="1600200" imgH="228600" progId="Equation.DSMT4">
                   <p:embed/>
                 </p:oleObj>
               </mc:Choice>
@@ -10391,7 +10383,7 @@
           <a:graphicData uri="http://schemas.openxmlformats.org/presentationml/2006/ole">
             <mc:AlternateContent xmlns:mc="http://schemas.openxmlformats.org/markup-compatibility/2006">
               <mc:Choice xmlns:v="urn:schemas-microsoft-com:vml" Requires="v">
-                <p:oleObj spid="_x0000_s9265" name="Equation" r:id="rId8" imgW="1231560" imgH="228600" progId="Equation.DSMT4">
+                <p:oleObj spid="_x0000_s9268" name="Equation" r:id="rId8" imgW="1231560" imgH="228600" progId="Equation.DSMT4">
                   <p:embed/>
                 </p:oleObj>
               </mc:Choice>
@@ -10551,40 +10543,27 @@
                             </p:childTnLst>
                           </p:cTn>
                         </p:par>
-                      </p:childTnLst>
-                    </p:cTn>
-                  </p:par>
-                  <p:par>
-                    <p:cTn id="11" fill="hold">
-                      <p:stCondLst>
-                        <p:cond delay="indefinite"/>
-                      </p:stCondLst>
-                      <p:childTnLst>
                         <p:par>
-                          <p:cTn id="12" fill="hold">
+                          <p:cTn id="11" fill="hold">
                             <p:stCondLst>
                               <p:cond delay="0"/>
                             </p:stCondLst>
                             <p:childTnLst>
                               <p:par>
-                                <p:cTn id="13" presetID="1" presetClass="entr" presetSubtype="0" fill="hold" grpId="0" nodeType="clickEffect">
+                                <p:cTn id="12" presetID="10" presetClass="entr" presetSubtype="0" fill="hold" nodeType="afterEffect">
                                   <p:stCondLst>
                                     <p:cond delay="0"/>
                                   </p:stCondLst>
                                   <p:childTnLst>
                                     <p:set>
                                       <p:cBhvr>
-                                        <p:cTn id="14" dur="1" fill="hold">
+                                        <p:cTn id="13" dur="1" fill="hold">
                                           <p:stCondLst>
                                             <p:cond delay="0"/>
                                           </p:stCondLst>
                                         </p:cTn>
                                         <p:tgtEl>
-                                          <p:spTgt spid="3">
-                                            <p:txEl>
-                                              <p:pRg st="4" end="4"/>
-                                            </p:txEl>
-                                          </p:spTgt>
+                                          <p:spTgt spid="7"/>
                                         </p:tgtEl>
                                         <p:attrNameLst>
                                           <p:attrName>style.visibility</p:attrName>
@@ -10594,6 +10573,14 @@
                                         <p:strVal val="visible"/>
                                       </p:to>
                                     </p:set>
+                                    <p:animEffect transition="in" filter="fade">
+                                      <p:cBhvr>
+                                        <p:cTn id="14" dur="500"/>
+                                        <p:tgtEl>
+                                          <p:spTgt spid="7"/>
+                                        </p:tgtEl>
+                                      </p:cBhvr>
+                                    </p:animEffect>
                                   </p:childTnLst>
                                 </p:cTn>
                               </p:par>
@@ -10631,6 +10618,99 @@
                                         <p:tgtEl>
                                           <p:spTgt spid="3">
                                             <p:txEl>
+                                              <p:pRg st="4" end="4"/>
+                                            </p:txEl>
+                                          </p:spTgt>
+                                        </p:tgtEl>
+                                        <p:attrNameLst>
+                                          <p:attrName>style.visibility</p:attrName>
+                                        </p:attrNameLst>
+                                      </p:cBhvr>
+                                      <p:to>
+                                        <p:strVal val="visible"/>
+                                      </p:to>
+                                    </p:set>
+                                  </p:childTnLst>
+                                </p:cTn>
+                              </p:par>
+                            </p:childTnLst>
+                          </p:cTn>
+                        </p:par>
+                        <p:par>
+                          <p:cTn id="19" fill="hold">
+                            <p:stCondLst>
+                              <p:cond delay="0"/>
+                            </p:stCondLst>
+                            <p:childTnLst>
+                              <p:par>
+                                <p:cTn id="20" presetID="10" presetClass="entr" presetSubtype="0" fill="hold" nodeType="afterEffect">
+                                  <p:stCondLst>
+                                    <p:cond delay="0"/>
+                                  </p:stCondLst>
+                                  <p:childTnLst>
+                                    <p:set>
+                                      <p:cBhvr>
+                                        <p:cTn id="21" dur="1" fill="hold">
+                                          <p:stCondLst>
+                                            <p:cond delay="0"/>
+                                          </p:stCondLst>
+                                        </p:cTn>
+                                        <p:tgtEl>
+                                          <p:spTgt spid="6"/>
+                                        </p:tgtEl>
+                                        <p:attrNameLst>
+                                          <p:attrName>style.visibility</p:attrName>
+                                        </p:attrNameLst>
+                                      </p:cBhvr>
+                                      <p:to>
+                                        <p:strVal val="visible"/>
+                                      </p:to>
+                                    </p:set>
+                                    <p:animEffect transition="in" filter="fade">
+                                      <p:cBhvr>
+                                        <p:cTn id="22" dur="500"/>
+                                        <p:tgtEl>
+                                          <p:spTgt spid="6"/>
+                                        </p:tgtEl>
+                                      </p:cBhvr>
+                                    </p:animEffect>
+                                  </p:childTnLst>
+                                </p:cTn>
+                              </p:par>
+                            </p:childTnLst>
+                          </p:cTn>
+                        </p:par>
+                      </p:childTnLst>
+                    </p:cTn>
+                  </p:par>
+                  <p:par>
+                    <p:cTn id="23" fill="hold">
+                      <p:stCondLst>
+                        <p:cond delay="indefinite"/>
+                      </p:stCondLst>
+                      <p:childTnLst>
+                        <p:par>
+                          <p:cTn id="24" fill="hold">
+                            <p:stCondLst>
+                              <p:cond delay="0"/>
+                            </p:stCondLst>
+                            <p:childTnLst>
+                              <p:par>
+                                <p:cTn id="25" presetID="1" presetClass="entr" presetSubtype="0" fill="hold" grpId="0" nodeType="clickEffect">
+                                  <p:stCondLst>
+                                    <p:cond delay="0"/>
+                                  </p:stCondLst>
+                                  <p:childTnLst>
+                                    <p:set>
+                                      <p:cBhvr>
+                                        <p:cTn id="26" dur="1" fill="hold">
+                                          <p:stCondLst>
+                                            <p:cond delay="0"/>
+                                          </p:stCondLst>
+                                        </p:cTn>
+                                        <p:tgtEl>
+                                          <p:spTgt spid="3">
+                                            <p:txEl>
                                               <p:pRg st="7" end="7"/>
                                             </p:txEl>
                                           </p:spTgt>
@@ -10649,30 +10729,74 @@
                             </p:childTnLst>
                           </p:cTn>
                         </p:par>
-                      </p:childTnLst>
-                    </p:cTn>
-                  </p:par>
-                  <p:par>
-                    <p:cTn id="19" fill="hold">
-                      <p:stCondLst>
-                        <p:cond delay="indefinite"/>
-                      </p:stCondLst>
-                      <p:childTnLst>
                         <p:par>
-                          <p:cTn id="20" fill="hold">
+                          <p:cTn id="27" fill="hold">
                             <p:stCondLst>
                               <p:cond delay="0"/>
                             </p:stCondLst>
                             <p:childTnLst>
                               <p:par>
-                                <p:cTn id="21" presetID="1" presetClass="entr" presetSubtype="0" fill="hold" grpId="0" nodeType="clickEffect">
+                                <p:cTn id="28" presetID="10" presetClass="entr" presetSubtype="0" fill="hold" nodeType="afterEffect">
                                   <p:stCondLst>
                                     <p:cond delay="0"/>
                                   </p:stCondLst>
                                   <p:childTnLst>
                                     <p:set>
                                       <p:cBhvr>
-                                        <p:cTn id="22" dur="1" fill="hold">
+                                        <p:cTn id="29" dur="1" fill="hold">
+                                          <p:stCondLst>
+                                            <p:cond delay="0"/>
+                                          </p:stCondLst>
+                                        </p:cTn>
+                                        <p:tgtEl>
+                                          <p:spTgt spid="8"/>
+                                        </p:tgtEl>
+                                        <p:attrNameLst>
+                                          <p:attrName>style.visibility</p:attrName>
+                                        </p:attrNameLst>
+                                      </p:cBhvr>
+                                      <p:to>
+                                        <p:strVal val="visible"/>
+                                      </p:to>
+                                    </p:set>
+                                    <p:animEffect transition="in" filter="fade">
+                                      <p:cBhvr>
+                                        <p:cTn id="30" dur="500"/>
+                                        <p:tgtEl>
+                                          <p:spTgt spid="8"/>
+                                        </p:tgtEl>
+                                      </p:cBhvr>
+                                    </p:animEffect>
+                                  </p:childTnLst>
+                                </p:cTn>
+                              </p:par>
+                            </p:childTnLst>
+                          </p:cTn>
+                        </p:par>
+                      </p:childTnLst>
+                    </p:cTn>
+                  </p:par>
+                  <p:par>
+                    <p:cTn id="31" fill="hold">
+                      <p:stCondLst>
+                        <p:cond delay="indefinite"/>
+                      </p:stCondLst>
+                      <p:childTnLst>
+                        <p:par>
+                          <p:cTn id="32" fill="hold">
+                            <p:stCondLst>
+                              <p:cond delay="0"/>
+                            </p:stCondLst>
+                            <p:childTnLst>
+                              <p:par>
+                                <p:cTn id="33" presetID="1" presetClass="entr" presetSubtype="0" fill="hold" grpId="0" nodeType="clickEffect">
+                                  <p:stCondLst>
+                                    <p:cond delay="0"/>
+                                  </p:stCondLst>
+                                  <p:childTnLst>
+                                    <p:set>
+                                      <p:cBhvr>
+                                        <p:cTn id="34" dur="1" fill="hold">
                                           <p:stCondLst>
                                             <p:cond delay="0"/>
                                           </p:stCondLst>
@@ -10702,26 +10826,26 @@
                     </p:cTn>
                   </p:par>
                   <p:par>
-                    <p:cTn id="23" fill="hold">
+                    <p:cTn id="35" fill="hold">
                       <p:stCondLst>
                         <p:cond delay="indefinite"/>
                       </p:stCondLst>
                       <p:childTnLst>
                         <p:par>
-                          <p:cTn id="24" fill="hold">
+                          <p:cTn id="36" fill="hold">
                             <p:stCondLst>
                               <p:cond delay="0"/>
                             </p:stCondLst>
                             <p:childTnLst>
                               <p:par>
-                                <p:cTn id="25" presetID="2" presetClass="entr" presetSubtype="4" fill="hold" grpId="0" nodeType="clickEffect">
+                                <p:cTn id="37" presetID="2" presetClass="entr" presetSubtype="4" fill="hold" grpId="0" nodeType="clickEffect">
                                   <p:stCondLst>
                                     <p:cond delay="0"/>
                                   </p:stCondLst>
                                   <p:childTnLst>
                                     <p:set>
                                       <p:cBhvr>
-                                        <p:cTn id="26" dur="1" fill="hold">
+                                        <p:cTn id="38" dur="1" fill="hold">
                                           <p:stCondLst>
                                             <p:cond delay="0"/>
                                           </p:stCondLst>
@@ -10739,7 +10863,7 @@
                                     </p:set>
                                     <p:anim calcmode="lin" valueType="num">
                                       <p:cBhvr additive="base">
-                                        <p:cTn id="27" dur="500" fill="hold"/>
+                                        <p:cTn id="39" dur="500" fill="hold"/>
                                         <p:tgtEl>
                                           <p:spTgt spid="4"/>
                                         </p:tgtEl>
@@ -10762,7 +10886,7 @@
                                     </p:anim>
                                     <p:anim calcmode="lin" valueType="num">
                                       <p:cBhvr additive="base">
-                                        <p:cTn id="28" dur="500" fill="hold"/>
+                                        <p:cTn id="40" dur="500" fill="hold"/>
                                         <p:tgtEl>
                                           <p:spTgt spid="4"/>
                                         </p:tgtEl>
@@ -10814,7 +10938,7 @@
       </p:par>
     </p:tnLst>
     <p:bldLst>
-      <p:bldP spid="3" grpId="0" build="p"/>
+      <p:bldP spid="3" grpId="0" uiExpand="1" build="p"/>
       <p:bldP spid="4" grpId="0"/>
     </p:bldLst>
   </p:timing>
@@ -10877,10 +11001,10 @@
           <a:lstStyle/>
           <a:p>
             <a:r>
-              <a:rPr lang="zh-CN" altLang="en-US"/>
+              <a:rPr lang="zh-CN" altLang="en-US" dirty="0"/>
               <a:t>负反馈的三种模式</a:t>
             </a:r>
-            <a:endParaRPr lang="en-US" altLang="zh-CN"/>
+            <a:endParaRPr lang="en-US" altLang="zh-CN" dirty="0"/>
           </a:p>
           <a:p>
             <a:pPr marL="822960" lvl="1" indent="-457200">
@@ -10888,18 +11012,18 @@
               <a:buAutoNum type="arabicPeriod"/>
             </a:pPr>
             <a:r>
-              <a:rPr lang="zh-CN" altLang="en-US"/>
+              <a:rPr lang="zh-CN" altLang="en-US" dirty="0"/>
               <a:t>模式</a:t>
             </a:r>
             <a:r>
-              <a:rPr lang="en-US" altLang="zh-CN"/>
+              <a:rPr lang="en-US" altLang="zh-CN" dirty="0"/>
               <a:t>1</a:t>
             </a:r>
             <a:r>
-              <a:rPr lang="zh-CN" altLang="en-US"/>
+              <a:rPr lang="zh-CN" altLang="en-US" dirty="0"/>
               <a:t>：当状态为正数，差距为正时</a:t>
             </a:r>
-            <a:endParaRPr lang="en-US" altLang="zh-CN"/>
+            <a:endParaRPr lang="en-US" altLang="zh-CN" dirty="0"/>
           </a:p>
           <a:p>
             <a:pPr marL="822960" lvl="1" indent="-457200">
@@ -10907,18 +11031,18 @@
               <a:buAutoNum type="arabicPeriod"/>
             </a:pPr>
             <a:r>
-              <a:rPr lang="zh-CN" altLang="en-US"/>
+              <a:rPr lang="zh-CN" altLang="en-US" dirty="0"/>
               <a:t>模式</a:t>
             </a:r>
             <a:r>
-              <a:rPr lang="en-US" altLang="zh-CN"/>
+              <a:rPr lang="en-US" altLang="zh-CN" dirty="0"/>
               <a:t>2</a:t>
             </a:r>
             <a:r>
-              <a:rPr lang="zh-CN" altLang="en-US"/>
+              <a:rPr lang="zh-CN" altLang="en-US" dirty="0"/>
               <a:t>：当状态为正数，差距为负时</a:t>
             </a:r>
-            <a:endParaRPr lang="en-US" altLang="zh-CN"/>
+            <a:endParaRPr lang="en-US" altLang="zh-CN" dirty="0"/>
           </a:p>
           <a:p>
             <a:pPr marL="822960" lvl="1" indent="-457200">
@@ -10926,25 +11050,25 @@
               <a:buAutoNum type="arabicPeriod"/>
             </a:pPr>
             <a:r>
-              <a:rPr lang="zh-CN" altLang="en-US"/>
+              <a:rPr lang="zh-CN" altLang="en-US" dirty="0"/>
               <a:t>模式</a:t>
             </a:r>
             <a:r>
-              <a:rPr lang="en-US" altLang="zh-CN"/>
+              <a:rPr lang="en-US" altLang="zh-CN" dirty="0"/>
               <a:t>3</a:t>
             </a:r>
             <a:r>
-              <a:rPr lang="zh-CN" altLang="en-US"/>
+              <a:rPr lang="zh-CN" altLang="en-US" dirty="0"/>
               <a:t>：当状态为正数，差距为零时</a:t>
             </a:r>
-            <a:endParaRPr lang="en-US" altLang="zh-CN"/>
+            <a:endParaRPr lang="en-US" altLang="zh-CN" dirty="0"/>
           </a:p>
           <a:p>
             <a:pPr marL="822960" lvl="1" indent="-457200">
               <a:buFont typeface="+mj-lt"/>
               <a:buAutoNum type="arabicPeriod"/>
             </a:pPr>
-            <a:endParaRPr lang="zh-CN" altLang="en-US"/>
+            <a:endParaRPr lang="zh-CN" altLang="en-US" dirty="0"/>
           </a:p>
         </p:txBody>
       </p:sp>
@@ -11094,7 +11218,7 @@
           <a:graphicData uri="http://schemas.openxmlformats.org/presentationml/2006/ole">
             <mc:AlternateContent xmlns:mc="http://schemas.openxmlformats.org/markup-compatibility/2006">
               <mc:Choice xmlns:v="urn:schemas-microsoft-com:vml" Requires="v">
-                <p:oleObj spid="_x0000_s3128" name="Equation" r:id="rId3" imgW="812520" imgH="203040" progId="Equation.DSMT4">
+                <p:oleObj spid="_x0000_s3130" name="Equation" r:id="rId3" imgW="812520" imgH="203040" progId="Equation.DSMT4">
                   <p:embed/>
                 </p:oleObj>
               </mc:Choice>
@@ -11151,7 +11275,7 @@
           <a:graphicData uri="http://schemas.openxmlformats.org/presentationml/2006/ole">
             <mc:AlternateContent xmlns:mc="http://schemas.openxmlformats.org/markup-compatibility/2006">
               <mc:Choice xmlns:v="urn:schemas-microsoft-com:vml" Requires="v">
-                <p:oleObj spid="_x0000_s3129" name="Equation" r:id="rId5" imgW="2552400" imgH="672840" progId="Equation.DSMT4">
+                <p:oleObj spid="_x0000_s3131" name="Equation" r:id="rId5" imgW="2552400" imgH="672840" progId="Equation.DSMT4">
                   <p:embed/>
                 </p:oleObj>
               </mc:Choice>
@@ -11358,7 +11482,7 @@
           <a:graphicData uri="http://schemas.openxmlformats.org/presentationml/2006/ole">
             <mc:AlternateContent xmlns:mc="http://schemas.openxmlformats.org/markup-compatibility/2006">
               <mc:Choice xmlns:v="urn:schemas-microsoft-com:vml" Requires="v">
-                <p:oleObj spid="_x0000_s4178" name="Equation" r:id="rId3" imgW="2095200" imgH="241200" progId="Equation.DSMT4">
+                <p:oleObj spid="_x0000_s4181" name="Equation" r:id="rId3" imgW="2095200" imgH="241200" progId="Equation.DSMT4">
                   <p:embed/>
                 </p:oleObj>
               </mc:Choice>
@@ -11415,7 +11539,7 @@
           <a:graphicData uri="http://schemas.openxmlformats.org/presentationml/2006/ole">
             <mc:AlternateContent xmlns:mc="http://schemas.openxmlformats.org/markup-compatibility/2006">
               <mc:Choice xmlns:v="urn:schemas-microsoft-com:vml" Requires="v">
-                <p:oleObj spid="_x0000_s4179" name="Equation" r:id="rId5" imgW="1815840" imgH="241200" progId="Equation.DSMT4">
+                <p:oleObj spid="_x0000_s4182" name="Equation" r:id="rId5" imgW="1815840" imgH="241200" progId="Equation.DSMT4">
                   <p:embed/>
                 </p:oleObj>
               </mc:Choice>
@@ -11472,7 +11596,7 @@
           <a:graphicData uri="http://schemas.openxmlformats.org/presentationml/2006/ole">
             <mc:AlternateContent xmlns:mc="http://schemas.openxmlformats.org/markup-compatibility/2006">
               <mc:Choice xmlns:v="urn:schemas-microsoft-com:vml" Requires="v">
-                <p:oleObj spid="_x0000_s4180" name="Equation" r:id="rId7" imgW="469800" imgH="228600" progId="Equation.DSMT4">
+                <p:oleObj spid="_x0000_s4183" name="Equation" r:id="rId7" imgW="469800" imgH="228600" progId="Equation.DSMT4">
                   <p:embed/>
                 </p:oleObj>
               </mc:Choice>
@@ -12073,7 +12197,7 @@
           <a:graphicData uri="http://schemas.openxmlformats.org/presentationml/2006/ole">
             <mc:AlternateContent xmlns:mc="http://schemas.openxmlformats.org/markup-compatibility/2006">
               <mc:Choice xmlns:v="urn:schemas-microsoft-com:vml" Requires="v">
-                <p:oleObj spid="_x0000_s1122" name="Equation" r:id="rId4" imgW="444240" imgH="393480" progId="Equation.DSMT4">
+                <p:oleObj spid="_x0000_s1125" name="Equation" r:id="rId4" imgW="444240" imgH="393480" progId="Equation.DSMT4">
                   <p:embed/>
                 </p:oleObj>
               </mc:Choice>
@@ -12130,7 +12254,7 @@
           <a:graphicData uri="http://schemas.openxmlformats.org/presentationml/2006/ole">
             <mc:AlternateContent xmlns:mc="http://schemas.openxmlformats.org/markup-compatibility/2006">
               <mc:Choice xmlns:v="urn:schemas-microsoft-com:vml" Requires="v">
-                <p:oleObj spid="_x0000_s1123" name="Equation" r:id="rId6" imgW="774360" imgH="393480" progId="Equation.DSMT4">
+                <p:oleObj spid="_x0000_s1126" name="Equation" r:id="rId6" imgW="774360" imgH="393480" progId="Equation.DSMT4">
                   <p:embed/>
                 </p:oleObj>
               </mc:Choice>
@@ -12187,7 +12311,7 @@
           <a:graphicData uri="http://schemas.openxmlformats.org/presentationml/2006/ole">
             <mc:AlternateContent xmlns:mc="http://schemas.openxmlformats.org/markup-compatibility/2006">
               <mc:Choice xmlns:v="urn:schemas-microsoft-com:vml" Requires="v">
-                <p:oleObj spid="_x0000_s1124" name="Equation" r:id="rId8" imgW="457200" imgH="203040" progId="Equation.DSMT4">
+                <p:oleObj spid="_x0000_s1127" name="Equation" r:id="rId8" imgW="457200" imgH="203040" progId="Equation.DSMT4">
                   <p:embed/>
                 </p:oleObj>
               </mc:Choice>
@@ -12500,7 +12624,7 @@
           <a:graphicData uri="http://schemas.openxmlformats.org/presentationml/2006/ole">
             <mc:AlternateContent xmlns:mc="http://schemas.openxmlformats.org/markup-compatibility/2006">
               <mc:Choice xmlns:v="urn:schemas-microsoft-com:vml" Requires="v">
-                <p:oleObj spid="_x0000_s2166" name="Equation" r:id="rId3" imgW="774360" imgH="393480" progId="Equation.DSMT4">
+                <p:oleObj spid="_x0000_s2170" name="Equation" r:id="rId3" imgW="774360" imgH="393480" progId="Equation.DSMT4">
                   <p:embed/>
                 </p:oleObj>
               </mc:Choice>
@@ -12557,7 +12681,7 @@
           <a:graphicData uri="http://schemas.openxmlformats.org/presentationml/2006/ole">
             <mc:AlternateContent xmlns:mc="http://schemas.openxmlformats.org/markup-compatibility/2006">
               <mc:Choice xmlns:v="urn:schemas-microsoft-com:vml" Requires="v">
-                <p:oleObj spid="_x0000_s2167" name="Equation" r:id="rId5" imgW="723600" imgH="203040" progId="Equation.DSMT4">
+                <p:oleObj spid="_x0000_s2171" name="Equation" r:id="rId5" imgW="723600" imgH="203040" progId="Equation.DSMT4">
                   <p:embed/>
                 </p:oleObj>
               </mc:Choice>
@@ -12673,7 +12797,7 @@
           <a:graphicData uri="http://schemas.openxmlformats.org/presentationml/2006/ole">
             <mc:AlternateContent xmlns:mc="http://schemas.openxmlformats.org/markup-compatibility/2006">
               <mc:Choice xmlns:v="urn:schemas-microsoft-com:vml" Requires="v">
-                <p:oleObj spid="_x0000_s2168" name="Equation" r:id="rId8" imgW="685800" imgH="203040" progId="Equation.DSMT4">
+                <p:oleObj spid="_x0000_s2172" name="Equation" r:id="rId8" imgW="685800" imgH="203040" progId="Equation.DSMT4">
                   <p:embed/>
                 </p:oleObj>
               </mc:Choice>
@@ -12730,7 +12854,7 @@
           <a:graphicData uri="http://schemas.openxmlformats.org/presentationml/2006/ole">
             <mc:AlternateContent xmlns:mc="http://schemas.openxmlformats.org/markup-compatibility/2006">
               <mc:Choice xmlns:v="urn:schemas-microsoft-com:vml" Requires="v">
-                <p:oleObj spid="_x0000_s2169" name="Equation" r:id="rId10" imgW="876240" imgH="228600" progId="Equation.DSMT4">
+                <p:oleObj spid="_x0000_s2173" name="Equation" r:id="rId10" imgW="876240" imgH="228600" progId="Equation.DSMT4">
                   <p:embed/>
                 </p:oleObj>
               </mc:Choice>
@@ -12938,7 +13062,7 @@
           <a:graphicData uri="http://schemas.openxmlformats.org/presentationml/2006/ole">
             <mc:AlternateContent xmlns:mc="http://schemas.openxmlformats.org/markup-compatibility/2006">
               <mc:Choice xmlns:v="urn:schemas-microsoft-com:vml" Requires="v">
-                <p:oleObj spid="_x0000_s5277" name="Equation" r:id="rId4" imgW="876240" imgH="228600" progId="Equation.DSMT4">
+                <p:oleObj spid="_x0000_s5284" name="Equation" r:id="rId4" imgW="876240" imgH="228600" progId="Equation.DSMT4">
                   <p:embed/>
                 </p:oleObj>
               </mc:Choice>
@@ -12995,7 +13119,7 @@
           <a:graphicData uri="http://schemas.openxmlformats.org/presentationml/2006/ole">
             <mc:AlternateContent xmlns:mc="http://schemas.openxmlformats.org/markup-compatibility/2006">
               <mc:Choice xmlns:v="urn:schemas-microsoft-com:vml" Requires="v">
-                <p:oleObj spid="_x0000_s5278" name="Equation" r:id="rId6" imgW="393480" imgH="393480" progId="Equation.DSMT4">
+                <p:oleObj spid="_x0000_s5285" name="Equation" r:id="rId6" imgW="393480" imgH="393480" progId="Equation.DSMT4">
                   <p:embed/>
                 </p:oleObj>
               </mc:Choice>
@@ -13165,7 +13289,7 @@
             <a:graphicData uri="http://schemas.openxmlformats.org/presentationml/2006/ole">
               <mc:AlternateContent xmlns:mc="http://schemas.openxmlformats.org/markup-compatibility/2006">
                 <mc:Choice xmlns:v="urn:schemas-microsoft-com:vml" Requires="v">
-                  <p:oleObj spid="_x0000_s5279" name="Equation" r:id="rId8" imgW="2336760" imgH="228600" progId="Equation.DSMT4">
+                  <p:oleObj spid="_x0000_s5286" name="Equation" r:id="rId8" imgW="2336760" imgH="228600" progId="Equation.DSMT4">
                     <p:embed/>
                   </p:oleObj>
                 </mc:Choice>
@@ -13503,7 +13627,7 @@
           <a:graphicData uri="http://schemas.openxmlformats.org/presentationml/2006/ole">
             <mc:AlternateContent xmlns:mc="http://schemas.openxmlformats.org/markup-compatibility/2006">
               <mc:Choice xmlns:v="urn:schemas-microsoft-com:vml" Requires="v">
-                <p:oleObj spid="_x0000_s5280" name="Equation" r:id="rId10" imgW="457200" imgH="203040" progId="Equation.DSMT4">
+                <p:oleObj spid="_x0000_s5287" name="Equation" r:id="rId10" imgW="457200" imgH="203040" progId="Equation.DSMT4">
                   <p:embed/>
                 </p:oleObj>
               </mc:Choice>
@@ -13560,7 +13684,7 @@
           <a:graphicData uri="http://schemas.openxmlformats.org/presentationml/2006/ole">
             <mc:AlternateContent xmlns:mc="http://schemas.openxmlformats.org/markup-compatibility/2006">
               <mc:Choice xmlns:v="urn:schemas-microsoft-com:vml" Requires="v">
-                <p:oleObj spid="_x0000_s5281" name="Equation" r:id="rId12" imgW="520560" imgH="228600" progId="Equation.DSMT4">
+                <p:oleObj spid="_x0000_s5288" name="Equation" r:id="rId12" imgW="520560" imgH="228600" progId="Equation.DSMT4">
                   <p:embed/>
                 </p:oleObj>
               </mc:Choice>
@@ -13617,7 +13741,7 @@
           <a:graphicData uri="http://schemas.openxmlformats.org/presentationml/2006/ole">
             <mc:AlternateContent xmlns:mc="http://schemas.openxmlformats.org/markup-compatibility/2006">
               <mc:Choice xmlns:v="urn:schemas-microsoft-com:vml" Requires="v">
-                <p:oleObj spid="_x0000_s5282" name="Equation" r:id="rId14" imgW="520560" imgH="228600" progId="Equation.DSMT4">
+                <p:oleObj spid="_x0000_s5289" name="Equation" r:id="rId14" imgW="520560" imgH="228600" progId="Equation.DSMT4">
                   <p:embed/>
                 </p:oleObj>
               </mc:Choice>
@@ -13674,7 +13798,7 @@
           <a:graphicData uri="http://schemas.openxmlformats.org/presentationml/2006/ole">
             <mc:AlternateContent xmlns:mc="http://schemas.openxmlformats.org/markup-compatibility/2006">
               <mc:Choice xmlns:v="urn:schemas-microsoft-com:vml" Requires="v">
-                <p:oleObj spid="_x0000_s5283" name="Equation" r:id="rId16" imgW="520560" imgH="228600" progId="Equation.DSMT4">
+                <p:oleObj spid="_x0000_s5290" name="Equation" r:id="rId16" imgW="520560" imgH="228600" progId="Equation.DSMT4">
                   <p:embed/>
                 </p:oleObj>
               </mc:Choice>
@@ -13924,7 +14048,7 @@
           <a:graphicData uri="http://schemas.openxmlformats.org/presentationml/2006/ole">
             <mc:AlternateContent xmlns:mc="http://schemas.openxmlformats.org/markup-compatibility/2006">
               <mc:Choice xmlns:v="urn:schemas-microsoft-com:vml" Requires="v">
-                <p:oleObj spid="_x0000_s6192" name="Equation" r:id="rId3" imgW="1091880" imgH="634680" progId="Equation.DSMT4">
+                <p:oleObj spid="_x0000_s6193" name="Equation" r:id="rId3" imgW="1091880" imgH="634680" progId="Equation.DSMT4">
                   <p:embed/>
                 </p:oleObj>
               </mc:Choice>
@@ -15081,7 +15205,7 @@
 
 <file path=customXml/item1.xml><?xml version="1.0" encoding="utf-8"?>
 <Control xmlns="http://schemas.microsoft.com/VisualStudio/2011/storyboarding/control">
-  <Id Name="System.Storyboarding.Common.DragSelection" Revision="1" Stencil="System.Storyboarding.Common" StencilVersion="0.1"/>
+  <Id Name="System.Storyboarding.Annotation.StickyNote" Revision="1" Stencil="System.Storyboarding.Annotation" StencilVersion="0.1"/>
 </Control>
 </file>
 
@@ -15093,23 +15217,11 @@
 
 <file path=customXml/item3.xml><?xml version="1.0" encoding="utf-8"?>
 <Control xmlns="http://schemas.microsoft.com/VisualStudio/2011/storyboarding/control">
-  <Id Name="System.Storyboarding.Common.TextInput" Revision="1" Stencil="System.Storyboarding.Common" StencilVersion="0.1"/>
+  <Id Name="System.Storyboarding.Common.DragSelection" Revision="1" Stencil="System.Storyboarding.Common" StencilVersion="0.1"/>
 </Control>
 </file>
 
 <file path=customXml/item4.xml><?xml version="1.0" encoding="utf-8"?>
-<Control xmlns="http://schemas.microsoft.com/VisualStudio/2011/storyboarding/control">
-  <Id Name="System.Storyboarding.WindowsApps.WindowsAppsListBox" Revision="1" Stencil="System.Storyboarding.WindowsApps" StencilVersion="0.1"/>
-</Control>
-</file>
-
-<file path=customXml/item5.xml><?xml version="1.0" encoding="utf-8"?>
-<Control xmlns="http://schemas.microsoft.com/VisualStudio/2011/storyboarding/control">
-  <Id Name="System.Storyboarding.WindowsApps.WindowsAppsProgressRing" Revision="1" Stencil="System.Storyboarding.WindowsApps" StencilVersion="0.1"/>
-</Control>
-</file>
-
-<file path=customXml/item6.xml><?xml version="1.0" encoding="utf-8"?>
 <p:properties xmlns:p="http://schemas.microsoft.com/office/2006/metadata/properties" xmlns:xsi="http://www.w3.org/2001/XMLSchema-instance" xmlns:pc="http://schemas.microsoft.com/office/infopath/2007/PartnerControls">
   <documentManagement>
     <_dlc_DocId xmlns="b4ebf394-daf6-497a-96c5-a2f8c10b38cf">TT6HZDVJM2HV-178-321</_dlc_DocId>
@@ -15121,14 +15233,26 @@
 </p:properties>
 </file>
 
+<file path=customXml/item5.xml><?xml version="1.0" encoding="utf-8"?>
+<Control xmlns="http://schemas.microsoft.com/VisualStudio/2011/storyboarding/control">
+  <Id Name="System.Storyboarding.WindowsApps.WindowsAppsProgressRing" Revision="1" Stencil="System.Storyboarding.WindowsApps" StencilVersion="0.1"/>
+</Control>
+</file>
+
+<file path=customXml/item6.xml><?xml version="1.0" encoding="utf-8"?>
+<Control xmlns="http://schemas.microsoft.com/VisualStudio/2011/storyboarding/control">
+  <Id Name="System.Storyboarding.WindowsApps.WindowsAppsListBox" Revision="1" Stencil="System.Storyboarding.WindowsApps" StencilVersion="0.1"/>
+</Control>
+</file>
+
 <file path=customXml/item7.xml><?xml version="1.0" encoding="utf-8"?>
 <Control xmlns="http://schemas.microsoft.com/VisualStudio/2011/storyboarding/control">
-  <Id Name="System.Storyboarding.Annotation.StickyNote" Revision="1" Stencil="System.Storyboarding.Annotation" StencilVersion="0.1"/>
+  <Id Name="System.Storyboarding.Common.TextInput" Revision="1" Stencil="System.Storyboarding.Common" StencilVersion="0.1"/>
 </Control>
 </file>
 
 <file path=customXml/itemProps1.xml><?xml version="1.0" encoding="utf-8"?>
-<ds:datastoreItem xmlns:ds="http://schemas.openxmlformats.org/officeDocument/2006/customXml" ds:itemID="{74F50758-6994-47AF-ADB4-84074E43B95D}">
+<ds:datastoreItem xmlns:ds="http://schemas.openxmlformats.org/officeDocument/2006/customXml" ds:itemID="{35CD12A2-2187-402A-B9D9-EF68624DB0B9}">
   <ds:schemaRefs>
     <ds:schemaRef ds:uri="http://schemas.microsoft.com/VisualStudio/2011/storyboarding/control"/>
   </ds:schemaRefs>
@@ -15144,7 +15268,7 @@
 </file>
 
 <file path=customXml/itemProps3.xml><?xml version="1.0" encoding="utf-8"?>
-<ds:datastoreItem xmlns:ds="http://schemas.openxmlformats.org/officeDocument/2006/customXml" ds:itemID="{195C3A57-25C5-4CAC-A396-8711CE839175}">
+<ds:datastoreItem xmlns:ds="http://schemas.openxmlformats.org/officeDocument/2006/customXml" ds:itemID="{74F50758-6994-47AF-ADB4-84074E43B95D}">
   <ds:schemaRefs>
     <ds:schemaRef ds:uri="http://schemas.microsoft.com/VisualStudio/2011/storyboarding/control"/>
   </ds:schemaRefs>
@@ -15152,9 +15276,11 @@
 </file>
 
 <file path=customXml/itemProps4.xml><?xml version="1.0" encoding="utf-8"?>
-<ds:datastoreItem xmlns:ds="http://schemas.openxmlformats.org/officeDocument/2006/customXml" ds:itemID="{925928FA-66B2-4992-9AF7-6AAB34665E06}">
+<ds:datastoreItem xmlns:ds="http://schemas.openxmlformats.org/officeDocument/2006/customXml" ds:itemID="{1322E1B6-B69B-4B1E-9F64-FFB1E4A65691}">
   <ds:schemaRefs>
-    <ds:schemaRef ds:uri="http://schemas.microsoft.com/VisualStudio/2011/storyboarding/control"/>
+    <ds:schemaRef ds:uri="http://schemas.microsoft.com/office/2006/metadata/properties"/>
+    <ds:schemaRef ds:uri="http://schemas.microsoft.com/office/infopath/2007/PartnerControls"/>
+    <ds:schemaRef ds:uri="b4ebf394-daf6-497a-96c5-a2f8c10b38cf"/>
   </ds:schemaRefs>
 </ds:datastoreItem>
 </file>
@@ -15168,17 +15294,15 @@
 </file>
 
 <file path=customXml/itemProps6.xml><?xml version="1.0" encoding="utf-8"?>
-<ds:datastoreItem xmlns:ds="http://schemas.openxmlformats.org/officeDocument/2006/customXml" ds:itemID="{1322E1B6-B69B-4B1E-9F64-FFB1E4A65691}">
+<ds:datastoreItem xmlns:ds="http://schemas.openxmlformats.org/officeDocument/2006/customXml" ds:itemID="{925928FA-66B2-4992-9AF7-6AAB34665E06}">
   <ds:schemaRefs>
-    <ds:schemaRef ds:uri="http://schemas.microsoft.com/office/2006/metadata/properties"/>
-    <ds:schemaRef ds:uri="http://schemas.microsoft.com/office/infopath/2007/PartnerControls"/>
-    <ds:schemaRef ds:uri="b4ebf394-daf6-497a-96c5-a2f8c10b38cf"/>
+    <ds:schemaRef ds:uri="http://schemas.microsoft.com/VisualStudio/2011/storyboarding/control"/>
   </ds:schemaRefs>
 </ds:datastoreItem>
 </file>
 
 <file path=customXml/itemProps7.xml><?xml version="1.0" encoding="utf-8"?>
-<ds:datastoreItem xmlns:ds="http://schemas.openxmlformats.org/officeDocument/2006/customXml" ds:itemID="{35CD12A2-2187-402A-B9D9-EF68624DB0B9}">
+<ds:datastoreItem xmlns:ds="http://schemas.openxmlformats.org/officeDocument/2006/customXml" ds:itemID="{195C3A57-25C5-4CAC-A396-8711CE839175}">
   <ds:schemaRefs>
     <ds:schemaRef ds:uri="http://schemas.microsoft.com/VisualStudio/2011/storyboarding/control"/>
   </ds:schemaRefs>

--- a/2019系统仿真-8-一阶系统原理.pptx
+++ b/2019系统仿真-8-一阶系统原理.pptx
@@ -254,7 +254,7 @@
                 <a:latin typeface="微软雅黑" panose="020B0503020204020204" pitchFamily="34" charset="-122"/>
                 <a:ea typeface="微软雅黑" panose="020B0503020204020204" pitchFamily="34" charset="-122"/>
               </a:rPr>
-              <a:t>2019年4月14日 Sunday</a:t>
+              <a:t>2019年6月29日 Saturday</a:t>
             </a:fld>
             <a:endParaRPr lang="zh-CN" altLang="en-US" dirty="0">
               <a:latin typeface="微软雅黑" panose="020B0503020204020204" pitchFamily="34" charset="-122"/>
@@ -446,7 +446,7 @@
             <a:fld id="{07D6BDDC-F39A-4E16-93D6-E40B88AA6D58}" type="datetime2">
               <a:rPr lang="zh-CN" altLang="en-US" smtClean="0"/>
               <a:pPr/>
-              <a:t>2019年4月14日 Sunday</a:t>
+              <a:t>2019年6月29日 Saturday</a:t>
             </a:fld>
             <a:endParaRPr lang="zh-CN" altLang="en-US" dirty="0"/>
           </a:p>
@@ -1555,7 +1555,6 @@
               <a:schemeClr val="bg1"/>
             </a:solidFill>
           </a:ln>
-          <a:extLst/>
         </p:spPr>
         <p:txBody>
           <a:bodyPr vert="horz" wrap="square" lIns="121899" tIns="60949" rIns="121899" bIns="60949" numCol="1" rtlCol="0" anchor="t" anchorCtr="0" compatLnSpc="1">
@@ -1764,7 +1763,7 @@
             <a:fld id="{4947C3F0-2957-4D41-9FB7-182757A04D67}" type="datetime2">
               <a:rPr lang="zh-CN" altLang="en-US" smtClean="0"/>
               <a:pPr/>
-              <a:t>2019年4月14日 Sunday</a:t>
+              <a:t>2019年6月29日 Saturday</a:t>
             </a:fld>
             <a:endParaRPr lang="zh-CN" altLang="en-US" dirty="0"/>
           </a:p>
@@ -1997,7 +1996,7 @@
             <a:fld id="{8DF8E148-EC1F-43A2-8C9E-1F57F6D08A76}" type="datetime2">
               <a:rPr lang="zh-CN" altLang="en-US" smtClean="0"/>
               <a:pPr/>
-              <a:t>2019年4月14日 Sunday</a:t>
+              <a:t>2019年6月29日 Saturday</a:t>
             </a:fld>
             <a:endParaRPr lang="zh-CN" altLang="en-US" dirty="0"/>
           </a:p>
@@ -2678,7 +2677,6 @@
           <a:ln>
             <a:noFill/>
           </a:ln>
-          <a:extLst/>
         </p:spPr>
         <p:txBody>
           <a:bodyPr vert="horz" wrap="square" lIns="91440" tIns="45720" rIns="91440" bIns="45720" numCol="1" rtlCol="0" anchor="t" anchorCtr="0" compatLnSpc="1">
@@ -2880,7 +2878,7 @@
             <a:fld id="{FB7B4C11-1E14-4887-9E78-A9346EC068F1}" type="datetime2">
               <a:rPr lang="zh-CN" altLang="en-US" smtClean="0"/>
               <a:pPr/>
-              <a:t>2019年4月14日 Sunday</a:t>
+              <a:t>2019年6月29日 Saturday</a:t>
             </a:fld>
             <a:endParaRPr lang="zh-CN" altLang="en-US" dirty="0"/>
           </a:p>
@@ -3139,7 +3137,7 @@
             <a:fld id="{86FD5D46-E987-42B2-B42C-B8920598FADE}" type="datetime2">
               <a:rPr lang="zh-CN" altLang="en-US" smtClean="0"/>
               <a:pPr/>
-              <a:t>2019年4月14日 Sunday</a:t>
+              <a:t>2019年6月29日 Saturday</a:t>
             </a:fld>
             <a:endParaRPr lang="zh-CN" altLang="en-US" dirty="0"/>
           </a:p>
@@ -3849,7 +3847,6 @@
               <a:schemeClr val="bg1"/>
             </a:solidFill>
           </a:ln>
-          <a:extLst/>
         </p:spPr>
         <p:txBody>
           <a:bodyPr vert="horz" wrap="square" lIns="121899" tIns="60949" rIns="121899" bIns="60949" numCol="1" rtlCol="0" anchor="t" anchorCtr="0" compatLnSpc="1">
@@ -4466,7 +4463,7 @@
             <a:fld id="{8365F240-A7EF-41C8-A85B-C448CF84B5E5}" type="datetime2">
               <a:rPr lang="zh-CN" altLang="en-US" smtClean="0"/>
               <a:pPr/>
-              <a:t>2019年4月14日 Sunday</a:t>
+              <a:t>2019年6月29日 Saturday</a:t>
             </a:fld>
             <a:endParaRPr lang="zh-CN" altLang="en-US" dirty="0"/>
           </a:p>
@@ -4801,7 +4798,7 @@
             <a:fld id="{F770B30E-8728-44DB-AEE3-E4A75AEDBBD9}" type="datetime2">
               <a:rPr lang="zh-CN" altLang="en-US" smtClean="0"/>
               <a:pPr/>
-              <a:t>2019年4月14日 Sunday</a:t>
+              <a:t>2019年6月29日 Saturday</a:t>
             </a:fld>
             <a:endParaRPr lang="zh-CN" altLang="en-US" dirty="0"/>
           </a:p>
@@ -5302,7 +5299,7 @@
             <a:fld id="{680BCF82-A51A-4389-A573-378AD02C5141}" type="datetime2">
               <a:rPr lang="zh-CN" altLang="en-US" smtClean="0"/>
               <a:pPr/>
-              <a:t>2019年4月14日 Sunday</a:t>
+              <a:t>2019年6月29日 Saturday</a:t>
             </a:fld>
             <a:endParaRPr lang="zh-CN" altLang="en-US" dirty="0"/>
           </a:p>
@@ -5457,7 +5454,7 @@
             <a:fld id="{CE03A716-E3DC-4D9D-823C-60FCD8C9B163}" type="datetime2">
               <a:rPr lang="zh-CN" altLang="en-US" smtClean="0"/>
               <a:pPr/>
-              <a:t>2019年4月14日 Sunday</a:t>
+              <a:t>2019年6月29日 Saturday</a:t>
             </a:fld>
             <a:endParaRPr lang="zh-CN" altLang="en-US" dirty="0"/>
           </a:p>
@@ -5817,7 +5814,7 @@
             <a:fld id="{C16B8A94-44E5-4844-A22C-F796FCAA90D9}" type="datetime2">
               <a:rPr lang="zh-CN" altLang="en-US" smtClean="0"/>
               <a:pPr/>
-              <a:t>2019年4月14日 Sunday</a:t>
+              <a:t>2019年6月29日 Saturday</a:t>
             </a:fld>
             <a:endParaRPr lang="zh-CN" altLang="en-US" dirty="0"/>
           </a:p>
@@ -6359,7 +6356,7 @@
             <a:fld id="{F288B2AC-AC0A-4E49-82A3-94EE74FA7FBF}" type="datetime2">
               <a:rPr lang="zh-CN" altLang="en-US" smtClean="0"/>
               <a:pPr/>
-              <a:t>2019年4月14日 Sunday</a:t>
+              <a:t>2019年6月29日 Saturday</a:t>
             </a:fld>
             <a:endParaRPr lang="zh-CN" altLang="en-US" dirty="0"/>
           </a:p>
@@ -6845,7 +6842,7 @@
             <a:fld id="{1878E339-1BD2-4FEE-A113-9A0301740CF6}" type="datetime2">
               <a:rPr lang="zh-CN" altLang="en-US" smtClean="0"/>
               <a:pPr/>
-              <a:t>2019年4月14日 Sunday</a:t>
+              <a:t>2019年6月29日 Saturday</a:t>
             </a:fld>
             <a:endParaRPr lang="zh-CN" altLang="en-US" dirty="0"/>
           </a:p>
@@ -7586,7 +7583,6 @@
           <a:ln>
             <a:noFill/>
           </a:ln>
-          <a:extLst/>
         </p:spPr>
         <p:txBody>
           <a:bodyPr vert="horz" wrap="square" lIns="91440" tIns="45720" rIns="91440" bIns="45720" numCol="1" rtlCol="0" anchor="t" anchorCtr="0" compatLnSpc="1">
@@ -7769,7 +7765,7 @@
             <a:fld id="{A339CB27-C670-4AAB-948C-7E3D1D9FAE30}" type="datetime2">
               <a:rPr lang="zh-CN" altLang="en-US" smtClean="0"/>
               <a:pPr/>
-              <a:t>2019年4月14日 Sunday</a:t>
+              <a:t>2019年6月29日 Saturday</a:t>
             </a:fld>
             <a:endParaRPr lang="zh-CN" altLang="en-US" dirty="0"/>
           </a:p>
@@ -8173,7 +8169,7 @@
       </a:lvl9pPr>
     </p:otherStyle>
   </p:txStyles>
-  <p:extLst mod="1">
+  <p:extLst>
     <p:ext uri="{27BBF7A9-308A-43DC-89C8-2F10F3537804}">
       <p15:sldGuideLst xmlns:p15="http://schemas.microsoft.com/office/powerpoint/2012/main">
         <p15:guide id="1" orient="horz" pos="2160" userDrawn="1">
@@ -8993,7 +8989,7 @@
           <a:graphicData uri="http://schemas.openxmlformats.org/presentationml/2006/ole">
             <mc:AlternateContent xmlns:mc="http://schemas.openxmlformats.org/markup-compatibility/2006">
               <mc:Choice xmlns:v="urn:schemas-microsoft-com:vml" Requires="v">
-                <p:oleObj spid="_x0000_s7222" name="Equation" r:id="rId4" imgW="2387520" imgH="393480" progId="Equation.DSMT4">
+                <p:oleObj spid="_x0000_s7226" name="Equation" r:id="rId4" imgW="2387520" imgH="393480" progId="Equation.DSMT4">
                   <p:embed/>
                 </p:oleObj>
               </mc:Choice>
@@ -9050,7 +9046,7 @@
           <a:graphicData uri="http://schemas.openxmlformats.org/presentationml/2006/ole">
             <mc:AlternateContent xmlns:mc="http://schemas.openxmlformats.org/markup-compatibility/2006">
               <mc:Choice xmlns:v="urn:schemas-microsoft-com:vml" Requires="v">
-                <p:oleObj spid="_x0000_s7223" name="Equation" r:id="rId6" imgW="1904760" imgH="419040" progId="Equation.DSMT4">
+                <p:oleObj spid="_x0000_s7227" name="Equation" r:id="rId6" imgW="1904760" imgH="419040" progId="Equation.DSMT4">
                   <p:embed/>
                 </p:oleObj>
               </mc:Choice>
@@ -9107,7 +9103,7 @@
           <a:graphicData uri="http://schemas.openxmlformats.org/presentationml/2006/ole">
             <mc:AlternateContent xmlns:mc="http://schemas.openxmlformats.org/markup-compatibility/2006">
               <mc:Choice xmlns:v="urn:schemas-microsoft-com:vml" Requires="v">
-                <p:oleObj spid="_x0000_s7224" name="Equation" r:id="rId8" imgW="2768400" imgH="228600" progId="Equation.DSMT4">
+                <p:oleObj spid="_x0000_s7228" name="Equation" r:id="rId8" imgW="2768400" imgH="228600" progId="Equation.DSMT4">
                   <p:embed/>
                 </p:oleObj>
               </mc:Choice>
@@ -9193,7 +9189,7 @@
           <a:graphicData uri="http://schemas.openxmlformats.org/presentationml/2006/ole">
             <mc:AlternateContent xmlns:mc="http://schemas.openxmlformats.org/markup-compatibility/2006">
               <mc:Choice xmlns:v="urn:schemas-microsoft-com:vml" Requires="v">
-                <p:oleObj spid="_x0000_s7225" name="Equation" r:id="rId10" imgW="1765080" imgH="228600" progId="Equation.DSMT4">
+                <p:oleObj spid="_x0000_s7229" name="Equation" r:id="rId10" imgW="1765080" imgH="228600" progId="Equation.DSMT4">
                   <p:embed/>
                 </p:oleObj>
               </mc:Choice>
@@ -9469,7 +9465,7 @@
             <a:graphicData uri="http://schemas.openxmlformats.org/presentationml/2006/ole">
               <mc:AlternateContent xmlns:mc="http://schemas.openxmlformats.org/markup-compatibility/2006">
                 <mc:Choice xmlns:v="urn:schemas-microsoft-com:vml" Requires="v">
-                  <p:oleObj spid="_x0000_s8242" name="Equation" r:id="rId3" imgW="2603160" imgH="330120" progId="Equation.DSMT4">
+                  <p:oleObj spid="_x0000_s8245" name="Equation" r:id="rId3" imgW="2603160" imgH="330120" progId="Equation.DSMT4">
                     <p:embed/>
                   </p:oleObj>
                 </mc:Choice>
@@ -9526,7 +9522,7 @@
             <a:graphicData uri="http://schemas.openxmlformats.org/presentationml/2006/ole">
               <mc:AlternateContent xmlns:mc="http://schemas.openxmlformats.org/markup-compatibility/2006">
                 <mc:Choice xmlns:v="urn:schemas-microsoft-com:vml" Requires="v">
-                  <p:oleObj spid="_x0000_s8243" name="Equation" r:id="rId5" imgW="1955520" imgH="228600" progId="Equation.DSMT4">
+                  <p:oleObj spid="_x0000_s8246" name="Equation" r:id="rId5" imgW="1955520" imgH="228600" progId="Equation.DSMT4">
                     <p:embed/>
                   </p:oleObj>
                 </mc:Choice>
@@ -9583,7 +9579,7 @@
             <a:graphicData uri="http://schemas.openxmlformats.org/presentationml/2006/ole">
               <mc:AlternateContent xmlns:mc="http://schemas.openxmlformats.org/markup-compatibility/2006">
                 <mc:Choice xmlns:v="urn:schemas-microsoft-com:vml" Requires="v">
-                  <p:oleObj spid="_x0000_s8244" name="Equation" r:id="rId7" imgW="2298600" imgH="203040" progId="Equation.DSMT4">
+                  <p:oleObj spid="_x0000_s8247" name="Equation" r:id="rId7" imgW="2298600" imgH="203040" progId="Equation.DSMT4">
                     <p:embed/>
                   </p:oleObj>
                 </mc:Choice>
@@ -10269,7 +10265,7 @@
           <a:graphicData uri="http://schemas.openxmlformats.org/presentationml/2006/ole">
             <mc:AlternateContent xmlns:mc="http://schemas.openxmlformats.org/markup-compatibility/2006">
               <mc:Choice xmlns:v="urn:schemas-microsoft-com:vml" Requires="v">
-                <p:oleObj spid="_x0000_s9266" name="Equation" r:id="rId4" imgW="1587240" imgH="419040" progId="Equation.DSMT4">
+                <p:oleObj spid="_x0000_s9269" name="Equation" r:id="rId4" imgW="1587240" imgH="419040" progId="Equation.DSMT4">
                   <p:embed/>
                 </p:oleObj>
               </mc:Choice>
@@ -10326,7 +10322,7 @@
           <a:graphicData uri="http://schemas.openxmlformats.org/presentationml/2006/ole">
             <mc:AlternateContent xmlns:mc="http://schemas.openxmlformats.org/markup-compatibility/2006">
               <mc:Choice xmlns:v="urn:schemas-microsoft-com:vml" Requires="v">
-                <p:oleObj spid="_x0000_s9267" name="Equation" r:id="rId6" imgW="1600200" imgH="228600" progId="Equation.DSMT4">
+                <p:oleObj spid="_x0000_s9270" name="Equation" r:id="rId6" imgW="1600200" imgH="228600" progId="Equation.DSMT4">
                   <p:embed/>
                 </p:oleObj>
               </mc:Choice>
@@ -10383,7 +10379,7 @@
           <a:graphicData uri="http://schemas.openxmlformats.org/presentationml/2006/ole">
             <mc:AlternateContent xmlns:mc="http://schemas.openxmlformats.org/markup-compatibility/2006">
               <mc:Choice xmlns:v="urn:schemas-microsoft-com:vml" Requires="v">
-                <p:oleObj spid="_x0000_s9268" name="Equation" r:id="rId8" imgW="1231560" imgH="228600" progId="Equation.DSMT4">
+                <p:oleObj spid="_x0000_s9271" name="Equation" r:id="rId8" imgW="1231560" imgH="228600" progId="Equation.DSMT4">
                   <p:embed/>
                 </p:oleObj>
               </mc:Choice>
@@ -11218,7 +11214,7 @@
           <a:graphicData uri="http://schemas.openxmlformats.org/presentationml/2006/ole">
             <mc:AlternateContent xmlns:mc="http://schemas.openxmlformats.org/markup-compatibility/2006">
               <mc:Choice xmlns:v="urn:schemas-microsoft-com:vml" Requires="v">
-                <p:oleObj spid="_x0000_s3130" name="Equation" r:id="rId3" imgW="812520" imgH="203040" progId="Equation.DSMT4">
+                <p:oleObj spid="_x0000_s3132" name="Equation" r:id="rId3" imgW="812520" imgH="203040" progId="Equation.DSMT4">
                   <p:embed/>
                 </p:oleObj>
               </mc:Choice>
@@ -11275,7 +11271,7 @@
           <a:graphicData uri="http://schemas.openxmlformats.org/presentationml/2006/ole">
             <mc:AlternateContent xmlns:mc="http://schemas.openxmlformats.org/markup-compatibility/2006">
               <mc:Choice xmlns:v="urn:schemas-microsoft-com:vml" Requires="v">
-                <p:oleObj spid="_x0000_s3131" name="Equation" r:id="rId5" imgW="2552400" imgH="672840" progId="Equation.DSMT4">
+                <p:oleObj spid="_x0000_s3133" name="Equation" r:id="rId5" imgW="2552400" imgH="672840" progId="Equation.DSMT4">
                   <p:embed/>
                 </p:oleObj>
               </mc:Choice>
@@ -11482,7 +11478,7 @@
           <a:graphicData uri="http://schemas.openxmlformats.org/presentationml/2006/ole">
             <mc:AlternateContent xmlns:mc="http://schemas.openxmlformats.org/markup-compatibility/2006">
               <mc:Choice xmlns:v="urn:schemas-microsoft-com:vml" Requires="v">
-                <p:oleObj spid="_x0000_s4181" name="Equation" r:id="rId3" imgW="2095200" imgH="241200" progId="Equation.DSMT4">
+                <p:oleObj spid="_x0000_s4184" name="Equation" r:id="rId3" imgW="2095200" imgH="241200" progId="Equation.DSMT4">
                   <p:embed/>
                 </p:oleObj>
               </mc:Choice>
@@ -11539,7 +11535,7 @@
           <a:graphicData uri="http://schemas.openxmlformats.org/presentationml/2006/ole">
             <mc:AlternateContent xmlns:mc="http://schemas.openxmlformats.org/markup-compatibility/2006">
               <mc:Choice xmlns:v="urn:schemas-microsoft-com:vml" Requires="v">
-                <p:oleObj spid="_x0000_s4182" name="Equation" r:id="rId5" imgW="1815840" imgH="241200" progId="Equation.DSMT4">
+                <p:oleObj spid="_x0000_s4185" name="Equation" r:id="rId5" imgW="1815840" imgH="241200" progId="Equation.DSMT4">
                   <p:embed/>
                 </p:oleObj>
               </mc:Choice>
@@ -11596,7 +11592,7 @@
           <a:graphicData uri="http://schemas.openxmlformats.org/presentationml/2006/ole">
             <mc:AlternateContent xmlns:mc="http://schemas.openxmlformats.org/markup-compatibility/2006">
               <mc:Choice xmlns:v="urn:schemas-microsoft-com:vml" Requires="v">
-                <p:oleObj spid="_x0000_s4183" name="Equation" r:id="rId7" imgW="469800" imgH="228600" progId="Equation.DSMT4">
+                <p:oleObj spid="_x0000_s4186" name="Equation" r:id="rId7" imgW="469800" imgH="228600" progId="Equation.DSMT4">
                   <p:embed/>
                 </p:oleObj>
               </mc:Choice>
@@ -12133,7 +12129,7 @@
         <p:spPr>
           <a:xfrm>
             <a:off x="8758708" y="3233686"/>
-            <a:ext cx="2244397" cy="923330"/>
+            <a:ext cx="1851789" cy="923330"/>
           </a:xfrm>
           <a:prstGeom prst="rect">
             <a:avLst/>
@@ -12155,7 +12151,7 @@
           <a:p>
             <a:r>
               <a:rPr lang="en-US" altLang="zh-CN" i="1" dirty="0"/>
-              <a:t>LEV=INTEG(RT</a:t>
+              <a:t>L=INTEG(R</a:t>
             </a:r>
             <a:r>
               <a:rPr lang="zh-CN" altLang="en-US" i="1" dirty="0"/>
@@ -12169,7 +12165,7 @@
           <a:p>
             <a:r>
               <a:rPr lang="en-US" altLang="zh-CN" i="1" dirty="0"/>
-              <a:t>RT=0.2*S</a:t>
+              <a:t>R=0.2*L</a:t>
             </a:r>
             <a:endParaRPr lang="zh-CN" altLang="en-US" i="1" dirty="0"/>
           </a:p>
@@ -12197,7 +12193,7 @@
           <a:graphicData uri="http://schemas.openxmlformats.org/presentationml/2006/ole">
             <mc:AlternateContent xmlns:mc="http://schemas.openxmlformats.org/markup-compatibility/2006">
               <mc:Choice xmlns:v="urn:schemas-microsoft-com:vml" Requires="v">
-                <p:oleObj spid="_x0000_s1125" name="Equation" r:id="rId4" imgW="444240" imgH="393480" progId="Equation.DSMT4">
+                <p:oleObj spid="_x0000_s1128" name="Equation" r:id="rId4" imgW="444240" imgH="393480" progId="Equation.DSMT4">
                   <p:embed/>
                 </p:oleObj>
               </mc:Choice>
@@ -12254,7 +12250,7 @@
           <a:graphicData uri="http://schemas.openxmlformats.org/presentationml/2006/ole">
             <mc:AlternateContent xmlns:mc="http://schemas.openxmlformats.org/markup-compatibility/2006">
               <mc:Choice xmlns:v="urn:schemas-microsoft-com:vml" Requires="v">
-                <p:oleObj spid="_x0000_s1126" name="Equation" r:id="rId6" imgW="774360" imgH="393480" progId="Equation.DSMT4">
+                <p:oleObj spid="_x0000_s1129" name="Equation" r:id="rId6" imgW="774360" imgH="393480" progId="Equation.DSMT4">
                   <p:embed/>
                 </p:oleObj>
               </mc:Choice>
@@ -12311,7 +12307,7 @@
           <a:graphicData uri="http://schemas.openxmlformats.org/presentationml/2006/ole">
             <mc:AlternateContent xmlns:mc="http://schemas.openxmlformats.org/markup-compatibility/2006">
               <mc:Choice xmlns:v="urn:schemas-microsoft-com:vml" Requires="v">
-                <p:oleObj spid="_x0000_s1127" name="Equation" r:id="rId8" imgW="457200" imgH="203040" progId="Equation.DSMT4">
+                <p:oleObj spid="_x0000_s1130" name="Equation" r:id="rId8" imgW="457200" imgH="203040" progId="Equation.DSMT4">
                   <p:embed/>
                 </p:oleObj>
               </mc:Choice>
@@ -12624,7 +12620,7 @@
           <a:graphicData uri="http://schemas.openxmlformats.org/presentationml/2006/ole">
             <mc:AlternateContent xmlns:mc="http://schemas.openxmlformats.org/markup-compatibility/2006">
               <mc:Choice xmlns:v="urn:schemas-microsoft-com:vml" Requires="v">
-                <p:oleObj spid="_x0000_s2170" name="Equation" r:id="rId3" imgW="774360" imgH="393480" progId="Equation.DSMT4">
+                <p:oleObj spid="_x0000_s2174" name="Equation" r:id="rId3" imgW="774360" imgH="393480" progId="Equation.DSMT4">
                   <p:embed/>
                 </p:oleObj>
               </mc:Choice>
@@ -12681,7 +12677,7 @@
           <a:graphicData uri="http://schemas.openxmlformats.org/presentationml/2006/ole">
             <mc:AlternateContent xmlns:mc="http://schemas.openxmlformats.org/markup-compatibility/2006">
               <mc:Choice xmlns:v="urn:schemas-microsoft-com:vml" Requires="v">
-                <p:oleObj spid="_x0000_s2171" name="Equation" r:id="rId5" imgW="723600" imgH="203040" progId="Equation.DSMT4">
+                <p:oleObj spid="_x0000_s2175" name="Equation" r:id="rId5" imgW="723600" imgH="203040" progId="Equation.DSMT4">
                   <p:embed/>
                 </p:oleObj>
               </mc:Choice>
@@ -12797,7 +12793,7 @@
           <a:graphicData uri="http://schemas.openxmlformats.org/presentationml/2006/ole">
             <mc:AlternateContent xmlns:mc="http://schemas.openxmlformats.org/markup-compatibility/2006">
               <mc:Choice xmlns:v="urn:schemas-microsoft-com:vml" Requires="v">
-                <p:oleObj spid="_x0000_s2172" name="Equation" r:id="rId8" imgW="685800" imgH="203040" progId="Equation.DSMT4">
+                <p:oleObj spid="_x0000_s2176" name="Equation" r:id="rId8" imgW="685800" imgH="203040" progId="Equation.DSMT4">
                   <p:embed/>
                 </p:oleObj>
               </mc:Choice>
@@ -12854,7 +12850,7 @@
           <a:graphicData uri="http://schemas.openxmlformats.org/presentationml/2006/ole">
             <mc:AlternateContent xmlns:mc="http://schemas.openxmlformats.org/markup-compatibility/2006">
               <mc:Choice xmlns:v="urn:schemas-microsoft-com:vml" Requires="v">
-                <p:oleObj spid="_x0000_s2173" name="Equation" r:id="rId10" imgW="876240" imgH="228600" progId="Equation.DSMT4">
+                <p:oleObj spid="_x0000_s2177" name="Equation" r:id="rId10" imgW="876240" imgH="228600" progId="Equation.DSMT4">
                   <p:embed/>
                 </p:oleObj>
               </mc:Choice>
@@ -13062,7 +13058,7 @@
           <a:graphicData uri="http://schemas.openxmlformats.org/presentationml/2006/ole">
             <mc:AlternateContent xmlns:mc="http://schemas.openxmlformats.org/markup-compatibility/2006">
               <mc:Choice xmlns:v="urn:schemas-microsoft-com:vml" Requires="v">
-                <p:oleObj spid="_x0000_s5284" name="Equation" r:id="rId4" imgW="876240" imgH="228600" progId="Equation.DSMT4">
+                <p:oleObj spid="_x0000_s5291" name="Equation" r:id="rId4" imgW="876240" imgH="228600" progId="Equation.DSMT4">
                   <p:embed/>
                 </p:oleObj>
               </mc:Choice>
@@ -13119,7 +13115,7 @@
           <a:graphicData uri="http://schemas.openxmlformats.org/presentationml/2006/ole">
             <mc:AlternateContent xmlns:mc="http://schemas.openxmlformats.org/markup-compatibility/2006">
               <mc:Choice xmlns:v="urn:schemas-microsoft-com:vml" Requires="v">
-                <p:oleObj spid="_x0000_s5285" name="Equation" r:id="rId6" imgW="393480" imgH="393480" progId="Equation.DSMT4">
+                <p:oleObj spid="_x0000_s5292" name="Equation" r:id="rId6" imgW="393480" imgH="393480" progId="Equation.DSMT4">
                   <p:embed/>
                 </p:oleObj>
               </mc:Choice>
@@ -13289,7 +13285,7 @@
             <a:graphicData uri="http://schemas.openxmlformats.org/presentationml/2006/ole">
               <mc:AlternateContent xmlns:mc="http://schemas.openxmlformats.org/markup-compatibility/2006">
                 <mc:Choice xmlns:v="urn:schemas-microsoft-com:vml" Requires="v">
-                  <p:oleObj spid="_x0000_s5286" name="Equation" r:id="rId8" imgW="2336760" imgH="228600" progId="Equation.DSMT4">
+                  <p:oleObj spid="_x0000_s5293" name="Equation" r:id="rId8" imgW="2336760" imgH="228600" progId="Equation.DSMT4">
                     <p:embed/>
                   </p:oleObj>
                 </mc:Choice>
@@ -13627,7 +13623,7 @@
           <a:graphicData uri="http://schemas.openxmlformats.org/presentationml/2006/ole">
             <mc:AlternateContent xmlns:mc="http://schemas.openxmlformats.org/markup-compatibility/2006">
               <mc:Choice xmlns:v="urn:schemas-microsoft-com:vml" Requires="v">
-                <p:oleObj spid="_x0000_s5287" name="Equation" r:id="rId10" imgW="457200" imgH="203040" progId="Equation.DSMT4">
+                <p:oleObj spid="_x0000_s5294" name="Equation" r:id="rId10" imgW="457200" imgH="203040" progId="Equation.DSMT4">
                   <p:embed/>
                 </p:oleObj>
               </mc:Choice>
@@ -13684,7 +13680,7 @@
           <a:graphicData uri="http://schemas.openxmlformats.org/presentationml/2006/ole">
             <mc:AlternateContent xmlns:mc="http://schemas.openxmlformats.org/markup-compatibility/2006">
               <mc:Choice xmlns:v="urn:schemas-microsoft-com:vml" Requires="v">
-                <p:oleObj spid="_x0000_s5288" name="Equation" r:id="rId12" imgW="520560" imgH="228600" progId="Equation.DSMT4">
+                <p:oleObj spid="_x0000_s5295" name="Equation" r:id="rId12" imgW="520560" imgH="228600" progId="Equation.DSMT4">
                   <p:embed/>
                 </p:oleObj>
               </mc:Choice>
@@ -13741,7 +13737,7 @@
           <a:graphicData uri="http://schemas.openxmlformats.org/presentationml/2006/ole">
             <mc:AlternateContent xmlns:mc="http://schemas.openxmlformats.org/markup-compatibility/2006">
               <mc:Choice xmlns:v="urn:schemas-microsoft-com:vml" Requires="v">
-                <p:oleObj spid="_x0000_s5289" name="Equation" r:id="rId14" imgW="520560" imgH="228600" progId="Equation.DSMT4">
+                <p:oleObj spid="_x0000_s5296" name="Equation" r:id="rId14" imgW="520560" imgH="228600" progId="Equation.DSMT4">
                   <p:embed/>
                 </p:oleObj>
               </mc:Choice>
@@ -13798,7 +13794,7 @@
           <a:graphicData uri="http://schemas.openxmlformats.org/presentationml/2006/ole">
             <mc:AlternateContent xmlns:mc="http://schemas.openxmlformats.org/markup-compatibility/2006">
               <mc:Choice xmlns:v="urn:schemas-microsoft-com:vml" Requires="v">
-                <p:oleObj spid="_x0000_s5290" name="Equation" r:id="rId16" imgW="520560" imgH="228600" progId="Equation.DSMT4">
+                <p:oleObj spid="_x0000_s5297" name="Equation" r:id="rId16" imgW="520560" imgH="228600" progId="Equation.DSMT4">
                   <p:embed/>
                 </p:oleObj>
               </mc:Choice>
@@ -14048,7 +14044,7 @@
           <a:graphicData uri="http://schemas.openxmlformats.org/presentationml/2006/ole">
             <mc:AlternateContent xmlns:mc="http://schemas.openxmlformats.org/markup-compatibility/2006">
               <mc:Choice xmlns:v="urn:schemas-microsoft-com:vml" Requires="v">
-                <p:oleObj spid="_x0000_s6193" name="Equation" r:id="rId3" imgW="1091880" imgH="634680" progId="Equation.DSMT4">
+                <p:oleObj spid="_x0000_s6194" name="Equation" r:id="rId3" imgW="1091880" imgH="634680" progId="Equation.DSMT4">
                   <p:embed/>
                 </p:oleObj>
               </mc:Choice>
@@ -15205,23 +15201,29 @@
 
 <file path=customXml/item1.xml><?xml version="1.0" encoding="utf-8"?>
 <Control xmlns="http://schemas.microsoft.com/VisualStudio/2011/storyboarding/control">
-  <Id Name="System.Storyboarding.Annotation.StickyNote" Revision="1" Stencil="System.Storyboarding.Annotation" StencilVersion="0.1"/>
+  <Id Name="5e505f8e-b0aa-429a-bb4c-92ab0e8a8ee6" RevisionId="d2083f08-ba4f-4330-87aa-e4d23a4443d7" Stencil="172d6d98-e5c9-42e9-a209-79f7a94bbd38" StencilRevisionId="00000000-0000-0000-0000-000000000000" StencilVersion="0.0"/>
 </Control>
 </file>
 
 <file path=customXml/item2.xml><?xml version="1.0" encoding="utf-8"?>
 <Control xmlns="http://schemas.microsoft.com/VisualStudio/2011/storyboarding/control">
-  <Id Name="5e505f8e-b0aa-429a-bb4c-92ab0e8a8ee6" RevisionId="d2083f08-ba4f-4330-87aa-e4d23a4443d7" Stencil="172d6d98-e5c9-42e9-a209-79f7a94bbd38" StencilRevisionId="00000000-0000-0000-0000-000000000000" StencilVersion="0.0"/>
+  <Id Name="System.Storyboarding.Annotation.StickyNote" Revision="1" Stencil="System.Storyboarding.Annotation" StencilVersion="0.1"/>
 </Control>
 </file>
 
 <file path=customXml/item3.xml><?xml version="1.0" encoding="utf-8"?>
 <Control xmlns="http://schemas.microsoft.com/VisualStudio/2011/storyboarding/control">
-  <Id Name="System.Storyboarding.Common.DragSelection" Revision="1" Stencil="System.Storyboarding.Common" StencilVersion="0.1"/>
+  <Id Name="System.Storyboarding.WindowsApps.WindowsAppsListBox" Revision="1" Stencil="System.Storyboarding.WindowsApps" StencilVersion="0.1"/>
 </Control>
 </file>
 
 <file path=customXml/item4.xml><?xml version="1.0" encoding="utf-8"?>
+<Control xmlns="http://schemas.microsoft.com/VisualStudio/2011/storyboarding/control">
+  <Id Name="System.Storyboarding.WindowsApps.WindowsAppsProgressRing" Revision="1" Stencil="System.Storyboarding.WindowsApps" StencilVersion="0.1"/>
+</Control>
+</file>
+
+<file path=customXml/item5.xml><?xml version="1.0" encoding="utf-8"?>
 <p:properties xmlns:p="http://schemas.microsoft.com/office/2006/metadata/properties" xmlns:xsi="http://www.w3.org/2001/XMLSchema-instance" xmlns:pc="http://schemas.microsoft.com/office/infopath/2007/PartnerControls">
   <documentManagement>
     <_dlc_DocId xmlns="b4ebf394-daf6-497a-96c5-a2f8c10b38cf">TT6HZDVJM2HV-178-321</_dlc_DocId>
@@ -15233,15 +15235,9 @@
 </p:properties>
 </file>
 
-<file path=customXml/item5.xml><?xml version="1.0" encoding="utf-8"?>
-<Control xmlns="http://schemas.microsoft.com/VisualStudio/2011/storyboarding/control">
-  <Id Name="System.Storyboarding.WindowsApps.WindowsAppsProgressRing" Revision="1" Stencil="System.Storyboarding.WindowsApps" StencilVersion="0.1"/>
-</Control>
-</file>
-
 <file path=customXml/item6.xml><?xml version="1.0" encoding="utf-8"?>
 <Control xmlns="http://schemas.microsoft.com/VisualStudio/2011/storyboarding/control">
-  <Id Name="System.Storyboarding.WindowsApps.WindowsAppsListBox" Revision="1" Stencil="System.Storyboarding.WindowsApps" StencilVersion="0.1"/>
+  <Id Name="System.Storyboarding.Common.DragSelection" Revision="1" Stencil="System.Storyboarding.Common" StencilVersion="0.1"/>
 </Control>
 </file>
 
@@ -15252,6 +15248,14 @@
 </file>
 
 <file path=customXml/itemProps1.xml><?xml version="1.0" encoding="utf-8"?>
+<ds:datastoreItem xmlns:ds="http://schemas.openxmlformats.org/officeDocument/2006/customXml" ds:itemID="{22271091-DDCE-44B5-B608-BB96BCA0C299}">
+  <ds:schemaRefs>
+    <ds:schemaRef ds:uri="http://schemas.microsoft.com/VisualStudio/2011/storyboarding/control"/>
+  </ds:schemaRefs>
+</ds:datastoreItem>
+</file>
+
+<file path=customXml/itemProps2.xml><?xml version="1.0" encoding="utf-8"?>
 <ds:datastoreItem xmlns:ds="http://schemas.openxmlformats.org/officeDocument/2006/customXml" ds:itemID="{35CD12A2-2187-402A-B9D9-EF68624DB0B9}">
   <ds:schemaRefs>
     <ds:schemaRef ds:uri="http://schemas.microsoft.com/VisualStudio/2011/storyboarding/control"/>
@@ -15259,16 +15263,8 @@
 </ds:datastoreItem>
 </file>
 
-<file path=customXml/itemProps2.xml><?xml version="1.0" encoding="utf-8"?>
-<ds:datastoreItem xmlns:ds="http://schemas.openxmlformats.org/officeDocument/2006/customXml" ds:itemID="{22271091-DDCE-44B5-B608-BB96BCA0C299}">
-  <ds:schemaRefs>
-    <ds:schemaRef ds:uri="http://schemas.microsoft.com/VisualStudio/2011/storyboarding/control"/>
-  </ds:schemaRefs>
-</ds:datastoreItem>
-</file>
-
 <file path=customXml/itemProps3.xml><?xml version="1.0" encoding="utf-8"?>
-<ds:datastoreItem xmlns:ds="http://schemas.openxmlformats.org/officeDocument/2006/customXml" ds:itemID="{74F50758-6994-47AF-ADB4-84074E43B95D}">
+<ds:datastoreItem xmlns:ds="http://schemas.openxmlformats.org/officeDocument/2006/customXml" ds:itemID="{925928FA-66B2-4992-9AF7-6AAB34665E06}">
   <ds:schemaRefs>
     <ds:schemaRef ds:uri="http://schemas.microsoft.com/VisualStudio/2011/storyboarding/control"/>
   </ds:schemaRefs>
@@ -15276,6 +15272,14 @@
 </file>
 
 <file path=customXml/itemProps4.xml><?xml version="1.0" encoding="utf-8"?>
+<ds:datastoreItem xmlns:ds="http://schemas.openxmlformats.org/officeDocument/2006/customXml" ds:itemID="{EE994FE8-9D1B-4C75-9803-F4D3D8088B5B}">
+  <ds:schemaRefs>
+    <ds:schemaRef ds:uri="http://schemas.microsoft.com/VisualStudio/2011/storyboarding/control"/>
+  </ds:schemaRefs>
+</ds:datastoreItem>
+</file>
+
+<file path=customXml/itemProps5.xml><?xml version="1.0" encoding="utf-8"?>
 <ds:datastoreItem xmlns:ds="http://schemas.openxmlformats.org/officeDocument/2006/customXml" ds:itemID="{1322E1B6-B69B-4B1E-9F64-FFB1E4A65691}">
   <ds:schemaRefs>
     <ds:schemaRef ds:uri="http://schemas.microsoft.com/office/2006/metadata/properties"/>
@@ -15285,16 +15289,8 @@
 </ds:datastoreItem>
 </file>
 
-<file path=customXml/itemProps5.xml><?xml version="1.0" encoding="utf-8"?>
-<ds:datastoreItem xmlns:ds="http://schemas.openxmlformats.org/officeDocument/2006/customXml" ds:itemID="{EE994FE8-9D1B-4C75-9803-F4D3D8088B5B}">
-  <ds:schemaRefs>
-    <ds:schemaRef ds:uri="http://schemas.microsoft.com/VisualStudio/2011/storyboarding/control"/>
-  </ds:schemaRefs>
-</ds:datastoreItem>
-</file>
-
 <file path=customXml/itemProps6.xml><?xml version="1.0" encoding="utf-8"?>
-<ds:datastoreItem xmlns:ds="http://schemas.openxmlformats.org/officeDocument/2006/customXml" ds:itemID="{925928FA-66B2-4992-9AF7-6AAB34665E06}">
+<ds:datastoreItem xmlns:ds="http://schemas.openxmlformats.org/officeDocument/2006/customXml" ds:itemID="{74F50758-6994-47AF-ADB4-84074E43B95D}">
   <ds:schemaRefs>
     <ds:schemaRef ds:uri="http://schemas.microsoft.com/VisualStudio/2011/storyboarding/control"/>
   </ds:schemaRefs>

--- a/2019系统仿真-8-一阶系统原理.pptx
+++ b/2019系统仿真-8-一阶系统原理.pptx
@@ -8989,7 +8989,7 @@
           <a:graphicData uri="http://schemas.openxmlformats.org/presentationml/2006/ole">
             <mc:AlternateContent xmlns:mc="http://schemas.openxmlformats.org/markup-compatibility/2006">
               <mc:Choice xmlns:v="urn:schemas-microsoft-com:vml" Requires="v">
-                <p:oleObj spid="_x0000_s7226" name="Equation" r:id="rId4" imgW="2387520" imgH="393480" progId="Equation.DSMT4">
+                <p:oleObj spid="_x0000_s7230" name="Equation" r:id="rId4" imgW="2387520" imgH="393480" progId="Equation.DSMT4">
                   <p:embed/>
                 </p:oleObj>
               </mc:Choice>
@@ -9046,7 +9046,7 @@
           <a:graphicData uri="http://schemas.openxmlformats.org/presentationml/2006/ole">
             <mc:AlternateContent xmlns:mc="http://schemas.openxmlformats.org/markup-compatibility/2006">
               <mc:Choice xmlns:v="urn:schemas-microsoft-com:vml" Requires="v">
-                <p:oleObj spid="_x0000_s7227" name="Equation" r:id="rId6" imgW="1904760" imgH="419040" progId="Equation.DSMT4">
+                <p:oleObj spid="_x0000_s7231" name="Equation" r:id="rId6" imgW="1904760" imgH="419040" progId="Equation.DSMT4">
                   <p:embed/>
                 </p:oleObj>
               </mc:Choice>
@@ -9103,7 +9103,7 @@
           <a:graphicData uri="http://schemas.openxmlformats.org/presentationml/2006/ole">
             <mc:AlternateContent xmlns:mc="http://schemas.openxmlformats.org/markup-compatibility/2006">
               <mc:Choice xmlns:v="urn:schemas-microsoft-com:vml" Requires="v">
-                <p:oleObj spid="_x0000_s7228" name="Equation" r:id="rId8" imgW="2768400" imgH="228600" progId="Equation.DSMT4">
+                <p:oleObj spid="_x0000_s7232" name="Equation" r:id="rId8" imgW="2768400" imgH="228600" progId="Equation.DSMT4">
                   <p:embed/>
                 </p:oleObj>
               </mc:Choice>
@@ -9189,7 +9189,7 @@
           <a:graphicData uri="http://schemas.openxmlformats.org/presentationml/2006/ole">
             <mc:AlternateContent xmlns:mc="http://schemas.openxmlformats.org/markup-compatibility/2006">
               <mc:Choice xmlns:v="urn:schemas-microsoft-com:vml" Requires="v">
-                <p:oleObj spid="_x0000_s7229" name="Equation" r:id="rId10" imgW="1765080" imgH="228600" progId="Equation.DSMT4">
+                <p:oleObj spid="_x0000_s7233" name="Equation" r:id="rId10" imgW="1765080" imgH="228600" progId="Equation.DSMT4">
                   <p:embed/>
                 </p:oleObj>
               </mc:Choice>
@@ -9465,7 +9465,7 @@
             <a:graphicData uri="http://schemas.openxmlformats.org/presentationml/2006/ole">
               <mc:AlternateContent xmlns:mc="http://schemas.openxmlformats.org/markup-compatibility/2006">
                 <mc:Choice xmlns:v="urn:schemas-microsoft-com:vml" Requires="v">
-                  <p:oleObj spid="_x0000_s8245" name="Equation" r:id="rId3" imgW="2603160" imgH="330120" progId="Equation.DSMT4">
+                  <p:oleObj spid="_x0000_s8248" name="Equation" r:id="rId3" imgW="2603160" imgH="330120" progId="Equation.DSMT4">
                     <p:embed/>
                   </p:oleObj>
                 </mc:Choice>
@@ -9522,7 +9522,7 @@
             <a:graphicData uri="http://schemas.openxmlformats.org/presentationml/2006/ole">
               <mc:AlternateContent xmlns:mc="http://schemas.openxmlformats.org/markup-compatibility/2006">
                 <mc:Choice xmlns:v="urn:schemas-microsoft-com:vml" Requires="v">
-                  <p:oleObj spid="_x0000_s8246" name="Equation" r:id="rId5" imgW="1955520" imgH="228600" progId="Equation.DSMT4">
+                  <p:oleObj spid="_x0000_s8249" name="Equation" r:id="rId5" imgW="1955520" imgH="228600" progId="Equation.DSMT4">
                     <p:embed/>
                   </p:oleObj>
                 </mc:Choice>
@@ -9579,7 +9579,7 @@
             <a:graphicData uri="http://schemas.openxmlformats.org/presentationml/2006/ole">
               <mc:AlternateContent xmlns:mc="http://schemas.openxmlformats.org/markup-compatibility/2006">
                 <mc:Choice xmlns:v="urn:schemas-microsoft-com:vml" Requires="v">
-                  <p:oleObj spid="_x0000_s8247" name="Equation" r:id="rId7" imgW="2298600" imgH="203040" progId="Equation.DSMT4">
+                  <p:oleObj spid="_x0000_s8250" name="Equation" r:id="rId7" imgW="2298600" imgH="203040" progId="Equation.DSMT4">
                     <p:embed/>
                   </p:oleObj>
                 </mc:Choice>
@@ -10265,7 +10265,7 @@
           <a:graphicData uri="http://schemas.openxmlformats.org/presentationml/2006/ole">
             <mc:AlternateContent xmlns:mc="http://schemas.openxmlformats.org/markup-compatibility/2006">
               <mc:Choice xmlns:v="urn:schemas-microsoft-com:vml" Requires="v">
-                <p:oleObj spid="_x0000_s9269" name="Equation" r:id="rId4" imgW="1587240" imgH="419040" progId="Equation.DSMT4">
+                <p:oleObj spid="_x0000_s9272" name="Equation" r:id="rId4" imgW="1587240" imgH="419040" progId="Equation.DSMT4">
                   <p:embed/>
                 </p:oleObj>
               </mc:Choice>
@@ -10322,7 +10322,7 @@
           <a:graphicData uri="http://schemas.openxmlformats.org/presentationml/2006/ole">
             <mc:AlternateContent xmlns:mc="http://schemas.openxmlformats.org/markup-compatibility/2006">
               <mc:Choice xmlns:v="urn:schemas-microsoft-com:vml" Requires="v">
-                <p:oleObj spid="_x0000_s9270" name="Equation" r:id="rId6" imgW="1600200" imgH="228600" progId="Equation.DSMT4">
+                <p:oleObj spid="_x0000_s9273" name="Equation" r:id="rId6" imgW="1600200" imgH="228600" progId="Equation.DSMT4">
                   <p:embed/>
                 </p:oleObj>
               </mc:Choice>
@@ -10379,7 +10379,7 @@
           <a:graphicData uri="http://schemas.openxmlformats.org/presentationml/2006/ole">
             <mc:AlternateContent xmlns:mc="http://schemas.openxmlformats.org/markup-compatibility/2006">
               <mc:Choice xmlns:v="urn:schemas-microsoft-com:vml" Requires="v">
-                <p:oleObj spid="_x0000_s9271" name="Equation" r:id="rId8" imgW="1231560" imgH="228600" progId="Equation.DSMT4">
+                <p:oleObj spid="_x0000_s9274" name="Equation" r:id="rId8" imgW="1231560" imgH="228600" progId="Equation.DSMT4">
                   <p:embed/>
                 </p:oleObj>
               </mc:Choice>
@@ -11214,7 +11214,7 @@
           <a:graphicData uri="http://schemas.openxmlformats.org/presentationml/2006/ole">
             <mc:AlternateContent xmlns:mc="http://schemas.openxmlformats.org/markup-compatibility/2006">
               <mc:Choice xmlns:v="urn:schemas-microsoft-com:vml" Requires="v">
-                <p:oleObj spid="_x0000_s3132" name="Equation" r:id="rId3" imgW="812520" imgH="203040" progId="Equation.DSMT4">
+                <p:oleObj spid="_x0000_s3134" name="Equation" r:id="rId3" imgW="812520" imgH="203040" progId="Equation.DSMT4">
                   <p:embed/>
                 </p:oleObj>
               </mc:Choice>
@@ -11271,7 +11271,7 @@
           <a:graphicData uri="http://schemas.openxmlformats.org/presentationml/2006/ole">
             <mc:AlternateContent xmlns:mc="http://schemas.openxmlformats.org/markup-compatibility/2006">
               <mc:Choice xmlns:v="urn:schemas-microsoft-com:vml" Requires="v">
-                <p:oleObj spid="_x0000_s3133" name="Equation" r:id="rId5" imgW="2552400" imgH="672840" progId="Equation.DSMT4">
+                <p:oleObj spid="_x0000_s3135" name="Equation" r:id="rId5" imgW="2552400" imgH="672840" progId="Equation.DSMT4">
                   <p:embed/>
                 </p:oleObj>
               </mc:Choice>
@@ -11478,7 +11478,7 @@
           <a:graphicData uri="http://schemas.openxmlformats.org/presentationml/2006/ole">
             <mc:AlternateContent xmlns:mc="http://schemas.openxmlformats.org/markup-compatibility/2006">
               <mc:Choice xmlns:v="urn:schemas-microsoft-com:vml" Requires="v">
-                <p:oleObj spid="_x0000_s4184" name="Equation" r:id="rId3" imgW="2095200" imgH="241200" progId="Equation.DSMT4">
+                <p:oleObj spid="_x0000_s4187" name="Equation" r:id="rId3" imgW="2095200" imgH="241200" progId="Equation.DSMT4">
                   <p:embed/>
                 </p:oleObj>
               </mc:Choice>
@@ -11535,7 +11535,7 @@
           <a:graphicData uri="http://schemas.openxmlformats.org/presentationml/2006/ole">
             <mc:AlternateContent xmlns:mc="http://schemas.openxmlformats.org/markup-compatibility/2006">
               <mc:Choice xmlns:v="urn:schemas-microsoft-com:vml" Requires="v">
-                <p:oleObj spid="_x0000_s4185" name="Equation" r:id="rId5" imgW="1815840" imgH="241200" progId="Equation.DSMT4">
+                <p:oleObj spid="_x0000_s4188" name="Equation" r:id="rId5" imgW="1815840" imgH="241200" progId="Equation.DSMT4">
                   <p:embed/>
                 </p:oleObj>
               </mc:Choice>
@@ -11592,7 +11592,7 @@
           <a:graphicData uri="http://schemas.openxmlformats.org/presentationml/2006/ole">
             <mc:AlternateContent xmlns:mc="http://schemas.openxmlformats.org/markup-compatibility/2006">
               <mc:Choice xmlns:v="urn:schemas-microsoft-com:vml" Requires="v">
-                <p:oleObj spid="_x0000_s4186" name="Equation" r:id="rId7" imgW="469800" imgH="228600" progId="Equation.DSMT4">
+                <p:oleObj spid="_x0000_s4189" name="Equation" r:id="rId7" imgW="469800" imgH="228600" progId="Equation.DSMT4">
                   <p:embed/>
                 </p:oleObj>
               </mc:Choice>
@@ -12129,7 +12129,7 @@
         <p:spPr>
           <a:xfrm>
             <a:off x="8758708" y="3233686"/>
-            <a:ext cx="1851789" cy="923330"/>
+            <a:ext cx="1986441" cy="923330"/>
           </a:xfrm>
           <a:prstGeom prst="rect">
             <a:avLst/>
@@ -12159,7 +12159,7 @@
             </a:r>
             <a:r>
               <a:rPr lang="en-US" altLang="zh-CN" i="1" dirty="0"/>
-              <a:t>20)</a:t>
+              <a:t>100)</a:t>
             </a:r>
           </a:p>
           <a:p>
@@ -12193,7 +12193,7 @@
           <a:graphicData uri="http://schemas.openxmlformats.org/presentationml/2006/ole">
             <mc:AlternateContent xmlns:mc="http://schemas.openxmlformats.org/markup-compatibility/2006">
               <mc:Choice xmlns:v="urn:schemas-microsoft-com:vml" Requires="v">
-                <p:oleObj spid="_x0000_s1128" name="Equation" r:id="rId4" imgW="444240" imgH="393480" progId="Equation.DSMT4">
+                <p:oleObj spid="_x0000_s1131" name="Equation" r:id="rId4" imgW="444240" imgH="393480" progId="Equation.DSMT4">
                   <p:embed/>
                 </p:oleObj>
               </mc:Choice>
@@ -12250,7 +12250,7 @@
           <a:graphicData uri="http://schemas.openxmlformats.org/presentationml/2006/ole">
             <mc:AlternateContent xmlns:mc="http://schemas.openxmlformats.org/markup-compatibility/2006">
               <mc:Choice xmlns:v="urn:schemas-microsoft-com:vml" Requires="v">
-                <p:oleObj spid="_x0000_s1129" name="Equation" r:id="rId6" imgW="774360" imgH="393480" progId="Equation.DSMT4">
+                <p:oleObj spid="_x0000_s1132" name="Equation" r:id="rId6" imgW="774360" imgH="393480" progId="Equation.DSMT4">
                   <p:embed/>
                 </p:oleObj>
               </mc:Choice>
@@ -12307,7 +12307,7 @@
           <a:graphicData uri="http://schemas.openxmlformats.org/presentationml/2006/ole">
             <mc:AlternateContent xmlns:mc="http://schemas.openxmlformats.org/markup-compatibility/2006">
               <mc:Choice xmlns:v="urn:schemas-microsoft-com:vml" Requires="v">
-                <p:oleObj spid="_x0000_s1130" name="Equation" r:id="rId8" imgW="457200" imgH="203040" progId="Equation.DSMT4">
+                <p:oleObj spid="_x0000_s1133" name="Equation" r:id="rId8" imgW="457200" imgH="203040" progId="Equation.DSMT4">
                   <p:embed/>
                 </p:oleObj>
               </mc:Choice>
@@ -12620,7 +12620,7 @@
           <a:graphicData uri="http://schemas.openxmlformats.org/presentationml/2006/ole">
             <mc:AlternateContent xmlns:mc="http://schemas.openxmlformats.org/markup-compatibility/2006">
               <mc:Choice xmlns:v="urn:schemas-microsoft-com:vml" Requires="v">
-                <p:oleObj spid="_x0000_s2174" name="Equation" r:id="rId3" imgW="774360" imgH="393480" progId="Equation.DSMT4">
+                <p:oleObj spid="_x0000_s2178" name="Equation" r:id="rId3" imgW="774360" imgH="393480" progId="Equation.DSMT4">
                   <p:embed/>
                 </p:oleObj>
               </mc:Choice>
@@ -12677,7 +12677,7 @@
           <a:graphicData uri="http://schemas.openxmlformats.org/presentationml/2006/ole">
             <mc:AlternateContent xmlns:mc="http://schemas.openxmlformats.org/markup-compatibility/2006">
               <mc:Choice xmlns:v="urn:schemas-microsoft-com:vml" Requires="v">
-                <p:oleObj spid="_x0000_s2175" name="Equation" r:id="rId5" imgW="723600" imgH="203040" progId="Equation.DSMT4">
+                <p:oleObj spid="_x0000_s2179" name="Equation" r:id="rId5" imgW="723600" imgH="203040" progId="Equation.DSMT4">
                   <p:embed/>
                 </p:oleObj>
               </mc:Choice>
@@ -12793,7 +12793,7 @@
           <a:graphicData uri="http://schemas.openxmlformats.org/presentationml/2006/ole">
             <mc:AlternateContent xmlns:mc="http://schemas.openxmlformats.org/markup-compatibility/2006">
               <mc:Choice xmlns:v="urn:schemas-microsoft-com:vml" Requires="v">
-                <p:oleObj spid="_x0000_s2176" name="Equation" r:id="rId8" imgW="685800" imgH="203040" progId="Equation.DSMT4">
+                <p:oleObj spid="_x0000_s2180" name="Equation" r:id="rId8" imgW="685800" imgH="203040" progId="Equation.DSMT4">
                   <p:embed/>
                 </p:oleObj>
               </mc:Choice>
@@ -12850,7 +12850,7 @@
           <a:graphicData uri="http://schemas.openxmlformats.org/presentationml/2006/ole">
             <mc:AlternateContent xmlns:mc="http://schemas.openxmlformats.org/markup-compatibility/2006">
               <mc:Choice xmlns:v="urn:schemas-microsoft-com:vml" Requires="v">
-                <p:oleObj spid="_x0000_s2177" name="Equation" r:id="rId10" imgW="876240" imgH="228600" progId="Equation.DSMT4">
+                <p:oleObj spid="_x0000_s2181" name="Equation" r:id="rId10" imgW="876240" imgH="228600" progId="Equation.DSMT4">
                   <p:embed/>
                 </p:oleObj>
               </mc:Choice>
@@ -13058,7 +13058,7 @@
           <a:graphicData uri="http://schemas.openxmlformats.org/presentationml/2006/ole">
             <mc:AlternateContent xmlns:mc="http://schemas.openxmlformats.org/markup-compatibility/2006">
               <mc:Choice xmlns:v="urn:schemas-microsoft-com:vml" Requires="v">
-                <p:oleObj spid="_x0000_s5291" name="Equation" r:id="rId4" imgW="876240" imgH="228600" progId="Equation.DSMT4">
+                <p:oleObj spid="_x0000_s5298" name="Equation" r:id="rId4" imgW="876240" imgH="228600" progId="Equation.DSMT4">
                   <p:embed/>
                 </p:oleObj>
               </mc:Choice>
@@ -13115,7 +13115,7 @@
           <a:graphicData uri="http://schemas.openxmlformats.org/presentationml/2006/ole">
             <mc:AlternateContent xmlns:mc="http://schemas.openxmlformats.org/markup-compatibility/2006">
               <mc:Choice xmlns:v="urn:schemas-microsoft-com:vml" Requires="v">
-                <p:oleObj spid="_x0000_s5292" name="Equation" r:id="rId6" imgW="393480" imgH="393480" progId="Equation.DSMT4">
+                <p:oleObj spid="_x0000_s5299" name="Equation" r:id="rId6" imgW="393480" imgH="393480" progId="Equation.DSMT4">
                   <p:embed/>
                 </p:oleObj>
               </mc:Choice>
@@ -13285,7 +13285,7 @@
             <a:graphicData uri="http://schemas.openxmlformats.org/presentationml/2006/ole">
               <mc:AlternateContent xmlns:mc="http://schemas.openxmlformats.org/markup-compatibility/2006">
                 <mc:Choice xmlns:v="urn:schemas-microsoft-com:vml" Requires="v">
-                  <p:oleObj spid="_x0000_s5293" name="Equation" r:id="rId8" imgW="2336760" imgH="228600" progId="Equation.DSMT4">
+                  <p:oleObj spid="_x0000_s5300" name="Equation" r:id="rId8" imgW="2336760" imgH="228600" progId="Equation.DSMT4">
                     <p:embed/>
                   </p:oleObj>
                 </mc:Choice>
@@ -13623,7 +13623,7 @@
           <a:graphicData uri="http://schemas.openxmlformats.org/presentationml/2006/ole">
             <mc:AlternateContent xmlns:mc="http://schemas.openxmlformats.org/markup-compatibility/2006">
               <mc:Choice xmlns:v="urn:schemas-microsoft-com:vml" Requires="v">
-                <p:oleObj spid="_x0000_s5294" name="Equation" r:id="rId10" imgW="457200" imgH="203040" progId="Equation.DSMT4">
+                <p:oleObj spid="_x0000_s5301" name="Equation" r:id="rId10" imgW="457200" imgH="203040" progId="Equation.DSMT4">
                   <p:embed/>
                 </p:oleObj>
               </mc:Choice>
@@ -13680,7 +13680,7 @@
           <a:graphicData uri="http://schemas.openxmlformats.org/presentationml/2006/ole">
             <mc:AlternateContent xmlns:mc="http://schemas.openxmlformats.org/markup-compatibility/2006">
               <mc:Choice xmlns:v="urn:schemas-microsoft-com:vml" Requires="v">
-                <p:oleObj spid="_x0000_s5295" name="Equation" r:id="rId12" imgW="520560" imgH="228600" progId="Equation.DSMT4">
+                <p:oleObj spid="_x0000_s5302" name="Equation" r:id="rId12" imgW="520560" imgH="228600" progId="Equation.DSMT4">
                   <p:embed/>
                 </p:oleObj>
               </mc:Choice>
@@ -13737,7 +13737,7 @@
           <a:graphicData uri="http://schemas.openxmlformats.org/presentationml/2006/ole">
             <mc:AlternateContent xmlns:mc="http://schemas.openxmlformats.org/markup-compatibility/2006">
               <mc:Choice xmlns:v="urn:schemas-microsoft-com:vml" Requires="v">
-                <p:oleObj spid="_x0000_s5296" name="Equation" r:id="rId14" imgW="520560" imgH="228600" progId="Equation.DSMT4">
+                <p:oleObj spid="_x0000_s5303" name="Equation" r:id="rId14" imgW="520560" imgH="228600" progId="Equation.DSMT4">
                   <p:embed/>
                 </p:oleObj>
               </mc:Choice>
@@ -13794,7 +13794,7 @@
           <a:graphicData uri="http://schemas.openxmlformats.org/presentationml/2006/ole">
             <mc:AlternateContent xmlns:mc="http://schemas.openxmlformats.org/markup-compatibility/2006">
               <mc:Choice xmlns:v="urn:schemas-microsoft-com:vml" Requires="v">
-                <p:oleObj spid="_x0000_s5297" name="Equation" r:id="rId16" imgW="520560" imgH="228600" progId="Equation.DSMT4">
+                <p:oleObj spid="_x0000_s5304" name="Equation" r:id="rId16" imgW="520560" imgH="228600" progId="Equation.DSMT4">
                   <p:embed/>
                 </p:oleObj>
               </mc:Choice>
@@ -14044,7 +14044,7 @@
           <a:graphicData uri="http://schemas.openxmlformats.org/presentationml/2006/ole">
             <mc:AlternateContent xmlns:mc="http://schemas.openxmlformats.org/markup-compatibility/2006">
               <mc:Choice xmlns:v="urn:schemas-microsoft-com:vml" Requires="v">
-                <p:oleObj spid="_x0000_s6194" name="Equation" r:id="rId3" imgW="1091880" imgH="634680" progId="Equation.DSMT4">
+                <p:oleObj spid="_x0000_s6195" name="Equation" r:id="rId3" imgW="1091880" imgH="634680" progId="Equation.DSMT4">
                   <p:embed/>
                 </p:oleObj>
               </mc:Choice>
@@ -15207,23 +15207,11 @@
 
 <file path=customXml/item2.xml><?xml version="1.0" encoding="utf-8"?>
 <Control xmlns="http://schemas.microsoft.com/VisualStudio/2011/storyboarding/control">
-  <Id Name="System.Storyboarding.Annotation.StickyNote" Revision="1" Stencil="System.Storyboarding.Annotation" StencilVersion="0.1"/>
+  <Id Name="System.Storyboarding.Common.DragSelection" Revision="1" Stencil="System.Storyboarding.Common" StencilVersion="0.1"/>
 </Control>
 </file>
 
 <file path=customXml/item3.xml><?xml version="1.0" encoding="utf-8"?>
-<Control xmlns="http://schemas.microsoft.com/VisualStudio/2011/storyboarding/control">
-  <Id Name="System.Storyboarding.WindowsApps.WindowsAppsListBox" Revision="1" Stencil="System.Storyboarding.WindowsApps" StencilVersion="0.1"/>
-</Control>
-</file>
-
-<file path=customXml/item4.xml><?xml version="1.0" encoding="utf-8"?>
-<Control xmlns="http://schemas.microsoft.com/VisualStudio/2011/storyboarding/control">
-  <Id Name="System.Storyboarding.WindowsApps.WindowsAppsProgressRing" Revision="1" Stencil="System.Storyboarding.WindowsApps" StencilVersion="0.1"/>
-</Control>
-</file>
-
-<file path=customXml/item5.xml><?xml version="1.0" encoding="utf-8"?>
 <p:properties xmlns:p="http://schemas.microsoft.com/office/2006/metadata/properties" xmlns:xsi="http://www.w3.org/2001/XMLSchema-instance" xmlns:pc="http://schemas.microsoft.com/office/infopath/2007/PartnerControls">
   <documentManagement>
     <_dlc_DocId xmlns="b4ebf394-daf6-497a-96c5-a2f8c10b38cf">TT6HZDVJM2HV-178-321</_dlc_DocId>
@@ -15235,15 +15223,27 @@
 </p:properties>
 </file>
 
+<file path=customXml/item4.xml><?xml version="1.0" encoding="utf-8"?>
+<Control xmlns="http://schemas.microsoft.com/VisualStudio/2011/storyboarding/control">
+  <Id Name="System.Storyboarding.WindowsApps.WindowsAppsProgressRing" Revision="1" Stencil="System.Storyboarding.WindowsApps" StencilVersion="0.1"/>
+</Control>
+</file>
+
+<file path=customXml/item5.xml><?xml version="1.0" encoding="utf-8"?>
+<Control xmlns="http://schemas.microsoft.com/VisualStudio/2011/storyboarding/control">
+  <Id Name="System.Storyboarding.WindowsApps.WindowsAppsListBox" Revision="1" Stencil="System.Storyboarding.WindowsApps" StencilVersion="0.1"/>
+</Control>
+</file>
+
 <file path=customXml/item6.xml><?xml version="1.0" encoding="utf-8"?>
 <Control xmlns="http://schemas.microsoft.com/VisualStudio/2011/storyboarding/control">
-  <Id Name="System.Storyboarding.Common.DragSelection" Revision="1" Stencil="System.Storyboarding.Common" StencilVersion="0.1"/>
+  <Id Name="System.Storyboarding.Common.TextInput" Revision="1" Stencil="System.Storyboarding.Common" StencilVersion="0.1"/>
 </Control>
 </file>
 
 <file path=customXml/item7.xml><?xml version="1.0" encoding="utf-8"?>
 <Control xmlns="http://schemas.microsoft.com/VisualStudio/2011/storyboarding/control">
-  <Id Name="System.Storyboarding.Common.TextInput" Revision="1" Stencil="System.Storyboarding.Common" StencilVersion="0.1"/>
+  <Id Name="System.Storyboarding.Annotation.StickyNote" Revision="1" Stencil="System.Storyboarding.Annotation" StencilVersion="0.1"/>
 </Control>
 </file>
 
@@ -15256,7 +15256,7 @@
 </file>
 
 <file path=customXml/itemProps2.xml><?xml version="1.0" encoding="utf-8"?>
-<ds:datastoreItem xmlns:ds="http://schemas.openxmlformats.org/officeDocument/2006/customXml" ds:itemID="{35CD12A2-2187-402A-B9D9-EF68624DB0B9}">
+<ds:datastoreItem xmlns:ds="http://schemas.openxmlformats.org/officeDocument/2006/customXml" ds:itemID="{74F50758-6994-47AF-ADB4-84074E43B95D}">
   <ds:schemaRefs>
     <ds:schemaRef ds:uri="http://schemas.microsoft.com/VisualStudio/2011/storyboarding/control"/>
   </ds:schemaRefs>
@@ -15264,9 +15264,11 @@
 </file>
 
 <file path=customXml/itemProps3.xml><?xml version="1.0" encoding="utf-8"?>
-<ds:datastoreItem xmlns:ds="http://schemas.openxmlformats.org/officeDocument/2006/customXml" ds:itemID="{925928FA-66B2-4992-9AF7-6AAB34665E06}">
+<ds:datastoreItem xmlns:ds="http://schemas.openxmlformats.org/officeDocument/2006/customXml" ds:itemID="{1322E1B6-B69B-4B1E-9F64-FFB1E4A65691}">
   <ds:schemaRefs>
-    <ds:schemaRef ds:uri="http://schemas.microsoft.com/VisualStudio/2011/storyboarding/control"/>
+    <ds:schemaRef ds:uri="http://schemas.microsoft.com/office/2006/metadata/properties"/>
+    <ds:schemaRef ds:uri="http://schemas.microsoft.com/office/infopath/2007/PartnerControls"/>
+    <ds:schemaRef ds:uri="b4ebf394-daf6-497a-96c5-a2f8c10b38cf"/>
   </ds:schemaRefs>
 </ds:datastoreItem>
 </file>
@@ -15280,17 +15282,15 @@
 </file>
 
 <file path=customXml/itemProps5.xml><?xml version="1.0" encoding="utf-8"?>
-<ds:datastoreItem xmlns:ds="http://schemas.openxmlformats.org/officeDocument/2006/customXml" ds:itemID="{1322E1B6-B69B-4B1E-9F64-FFB1E4A65691}">
+<ds:datastoreItem xmlns:ds="http://schemas.openxmlformats.org/officeDocument/2006/customXml" ds:itemID="{925928FA-66B2-4992-9AF7-6AAB34665E06}">
   <ds:schemaRefs>
-    <ds:schemaRef ds:uri="http://schemas.microsoft.com/office/2006/metadata/properties"/>
-    <ds:schemaRef ds:uri="http://schemas.microsoft.com/office/infopath/2007/PartnerControls"/>
-    <ds:schemaRef ds:uri="b4ebf394-daf6-497a-96c5-a2f8c10b38cf"/>
+    <ds:schemaRef ds:uri="http://schemas.microsoft.com/VisualStudio/2011/storyboarding/control"/>
   </ds:schemaRefs>
 </ds:datastoreItem>
 </file>
 
 <file path=customXml/itemProps6.xml><?xml version="1.0" encoding="utf-8"?>
-<ds:datastoreItem xmlns:ds="http://schemas.openxmlformats.org/officeDocument/2006/customXml" ds:itemID="{74F50758-6994-47AF-ADB4-84074E43B95D}">
+<ds:datastoreItem xmlns:ds="http://schemas.openxmlformats.org/officeDocument/2006/customXml" ds:itemID="{195C3A57-25C5-4CAC-A396-8711CE839175}">
   <ds:schemaRefs>
     <ds:schemaRef ds:uri="http://schemas.microsoft.com/VisualStudio/2011/storyboarding/control"/>
   </ds:schemaRefs>
@@ -15298,7 +15298,7 @@
 </file>
 
 <file path=customXml/itemProps7.xml><?xml version="1.0" encoding="utf-8"?>
-<ds:datastoreItem xmlns:ds="http://schemas.openxmlformats.org/officeDocument/2006/customXml" ds:itemID="{195C3A57-25C5-4CAC-A396-8711CE839175}">
+<ds:datastoreItem xmlns:ds="http://schemas.openxmlformats.org/officeDocument/2006/customXml" ds:itemID="{35CD12A2-2187-402A-B9D9-EF68624DB0B9}">
   <ds:schemaRefs>
     <ds:schemaRef ds:uri="http://schemas.microsoft.com/VisualStudio/2011/storyboarding/control"/>
   </ds:schemaRefs>
